--- a/PYthon_DB_.pptx
+++ b/PYthon_DB_.pptx
@@ -133,6 +133,22 @@
       </a:defRPr>
     </a:lvl9pPr>
   </p:defaultTextStyle>
+  <p:extLst>
+    <p:ext uri="{EFAFB233-063F-42B5-8137-9DF3F51BA10A}">
+      <p15:sldGuideLst xmlns:p15="http://schemas.microsoft.com/office/powerpoint/2012/main">
+        <p15:guide id="1" orient="horz" pos="2160">
+          <p15:clr>
+            <a:srgbClr val="A4A3A4"/>
+          </p15:clr>
+        </p15:guide>
+        <p15:guide id="2" pos="2880">
+          <p15:clr>
+            <a:srgbClr val="A4A3A4"/>
+          </p15:clr>
+        </p15:guide>
+      </p15:sldGuideLst>
+    </p:ext>
+  </p:extLst>
 </p:presentation>
 </file>
 
@@ -174,10 +190,9 @@
           <a:lstStyle/>
           <a:p>
             <a:r>
-              <a:rPr lang="en-US" smtClean="0"/>
+              <a:rPr lang="en-US"/>
               <a:t>Click to edit Master title style</a:t>
             </a:r>
-            <a:endParaRPr lang="en-US"/>
           </a:p>
         </p:txBody>
       </p:sp>
@@ -293,10 +308,9 @@
           </a:lstStyle>
           <a:p>
             <a:r>
-              <a:rPr lang="en-US" smtClean="0"/>
+              <a:rPr lang="en-US"/>
               <a:t>Click to edit Master subtitle style</a:t>
             </a:r>
-            <a:endParaRPr lang="en-US"/>
           </a:p>
         </p:txBody>
       </p:sp>
@@ -317,7 +331,7 @@
           <a:p>
             <a:fld id="{8FC8F648-A4B3-49D5-A9D7-14E10E9A7B41}" type="datetimeFigureOut">
               <a:rPr lang="en-US" smtClean="0"/>
-              <a:t>11/17/2022</a:t>
+              <a:t>2/14/2024</a:t>
             </a:fld>
             <a:endParaRPr lang="en-US"/>
           </a:p>
@@ -411,10 +425,9 @@
           <a:lstStyle/>
           <a:p>
             <a:r>
-              <a:rPr lang="en-US" smtClean="0"/>
+              <a:rPr lang="en-US"/>
               <a:t>Click to edit Master title style</a:t>
             </a:r>
-            <a:endParaRPr lang="en-US"/>
           </a:p>
         </p:txBody>
       </p:sp>
@@ -435,38 +448,37 @@
           <a:p>
             <a:pPr lvl="0"/>
             <a:r>
-              <a:rPr lang="en-US" smtClean="0"/>
+              <a:rPr lang="en-US"/>
               <a:t>Click to edit Master text styles</a:t>
             </a:r>
           </a:p>
           <a:p>
             <a:pPr lvl="1"/>
             <a:r>
-              <a:rPr lang="en-US" smtClean="0"/>
+              <a:rPr lang="en-US"/>
               <a:t>Second level</a:t>
             </a:r>
           </a:p>
           <a:p>
             <a:pPr lvl="2"/>
             <a:r>
-              <a:rPr lang="en-US" smtClean="0"/>
+              <a:rPr lang="en-US"/>
               <a:t>Third level</a:t>
             </a:r>
           </a:p>
           <a:p>
             <a:pPr lvl="3"/>
             <a:r>
-              <a:rPr lang="en-US" smtClean="0"/>
+              <a:rPr lang="en-US"/>
               <a:t>Fourth level</a:t>
             </a:r>
           </a:p>
           <a:p>
             <a:pPr lvl="4"/>
             <a:r>
-              <a:rPr lang="en-US" smtClean="0"/>
+              <a:rPr lang="en-US"/>
               <a:t>Fifth level</a:t>
             </a:r>
-            <a:endParaRPr lang="en-US"/>
           </a:p>
         </p:txBody>
       </p:sp>
@@ -487,7 +499,7 @@
           <a:p>
             <a:fld id="{8FC8F648-A4B3-49D5-A9D7-14E10E9A7B41}" type="datetimeFigureOut">
               <a:rPr lang="en-US" smtClean="0"/>
-              <a:t>11/17/2022</a:t>
+              <a:t>2/14/2024</a:t>
             </a:fld>
             <a:endParaRPr lang="en-US"/>
           </a:p>
@@ -586,10 +598,9 @@
           <a:lstStyle/>
           <a:p>
             <a:r>
-              <a:rPr lang="en-US" smtClean="0"/>
+              <a:rPr lang="en-US"/>
               <a:t>Click to edit Master title style</a:t>
             </a:r>
-            <a:endParaRPr lang="en-US"/>
           </a:p>
         </p:txBody>
       </p:sp>
@@ -615,38 +626,37 @@
           <a:p>
             <a:pPr lvl="0"/>
             <a:r>
-              <a:rPr lang="en-US" smtClean="0"/>
+              <a:rPr lang="en-US"/>
               <a:t>Click to edit Master text styles</a:t>
             </a:r>
           </a:p>
           <a:p>
             <a:pPr lvl="1"/>
             <a:r>
-              <a:rPr lang="en-US" smtClean="0"/>
+              <a:rPr lang="en-US"/>
               <a:t>Second level</a:t>
             </a:r>
           </a:p>
           <a:p>
             <a:pPr lvl="2"/>
             <a:r>
-              <a:rPr lang="en-US" smtClean="0"/>
+              <a:rPr lang="en-US"/>
               <a:t>Third level</a:t>
             </a:r>
           </a:p>
           <a:p>
             <a:pPr lvl="3"/>
             <a:r>
-              <a:rPr lang="en-US" smtClean="0"/>
+              <a:rPr lang="en-US"/>
               <a:t>Fourth level</a:t>
             </a:r>
           </a:p>
           <a:p>
             <a:pPr lvl="4"/>
             <a:r>
-              <a:rPr lang="en-US" smtClean="0"/>
+              <a:rPr lang="en-US"/>
               <a:t>Fifth level</a:t>
             </a:r>
-            <a:endParaRPr lang="en-US"/>
           </a:p>
         </p:txBody>
       </p:sp>
@@ -667,7 +677,7 @@
           <a:p>
             <a:fld id="{8FC8F648-A4B3-49D5-A9D7-14E10E9A7B41}" type="datetimeFigureOut">
               <a:rPr lang="en-US" smtClean="0"/>
-              <a:t>11/17/2022</a:t>
+              <a:t>2/14/2024</a:t>
             </a:fld>
             <a:endParaRPr lang="en-US"/>
           </a:p>
@@ -761,10 +771,9 @@
           <a:lstStyle/>
           <a:p>
             <a:r>
-              <a:rPr lang="en-US" smtClean="0"/>
+              <a:rPr lang="en-US"/>
               <a:t>Click to edit Master title style</a:t>
             </a:r>
-            <a:endParaRPr lang="en-US"/>
           </a:p>
         </p:txBody>
       </p:sp>
@@ -785,38 +794,37 @@
           <a:p>
             <a:pPr lvl="0"/>
             <a:r>
-              <a:rPr lang="en-US" smtClean="0"/>
+              <a:rPr lang="en-US"/>
               <a:t>Click to edit Master text styles</a:t>
             </a:r>
           </a:p>
           <a:p>
             <a:pPr lvl="1"/>
             <a:r>
-              <a:rPr lang="en-US" smtClean="0"/>
+              <a:rPr lang="en-US"/>
               <a:t>Second level</a:t>
             </a:r>
           </a:p>
           <a:p>
             <a:pPr lvl="2"/>
             <a:r>
-              <a:rPr lang="en-US" smtClean="0"/>
+              <a:rPr lang="en-US"/>
               <a:t>Third level</a:t>
             </a:r>
           </a:p>
           <a:p>
             <a:pPr lvl="3"/>
             <a:r>
-              <a:rPr lang="en-US" smtClean="0"/>
+              <a:rPr lang="en-US"/>
               <a:t>Fourth level</a:t>
             </a:r>
           </a:p>
           <a:p>
             <a:pPr lvl="4"/>
             <a:r>
-              <a:rPr lang="en-US" smtClean="0"/>
+              <a:rPr lang="en-US"/>
               <a:t>Fifth level</a:t>
             </a:r>
-            <a:endParaRPr lang="en-US"/>
           </a:p>
         </p:txBody>
       </p:sp>
@@ -837,7 +845,7 @@
           <a:p>
             <a:fld id="{8FC8F648-A4B3-49D5-A9D7-14E10E9A7B41}" type="datetimeFigureOut">
               <a:rPr lang="en-US" smtClean="0"/>
-              <a:t>11/17/2022</a:t>
+              <a:t>2/14/2024</a:t>
             </a:fld>
             <a:endParaRPr lang="en-US"/>
           </a:p>
@@ -940,10 +948,9 @@
           </a:lstStyle>
           <a:p>
             <a:r>
-              <a:rPr lang="en-US" smtClean="0"/>
+              <a:rPr lang="en-US"/>
               <a:t>Click to edit Master title style</a:t>
             </a:r>
-            <a:endParaRPr lang="en-US"/>
           </a:p>
         </p:txBody>
       </p:sp>
@@ -1060,7 +1067,7 @@
           <a:p>
             <a:pPr lvl="0"/>
             <a:r>
-              <a:rPr lang="en-US" smtClean="0"/>
+              <a:rPr lang="en-US"/>
               <a:t>Click to edit Master text styles</a:t>
             </a:r>
           </a:p>
@@ -1083,7 +1090,7 @@
           <a:p>
             <a:fld id="{8FC8F648-A4B3-49D5-A9D7-14E10E9A7B41}" type="datetimeFigureOut">
               <a:rPr lang="en-US" smtClean="0"/>
-              <a:t>11/17/2022</a:t>
+              <a:t>2/14/2024</a:t>
             </a:fld>
             <a:endParaRPr lang="en-US"/>
           </a:p>
@@ -1177,10 +1184,9 @@
           <a:lstStyle/>
           <a:p>
             <a:r>
-              <a:rPr lang="en-US" smtClean="0"/>
+              <a:rPr lang="en-US"/>
               <a:t>Click to edit Master title style</a:t>
             </a:r>
-            <a:endParaRPr lang="en-US"/>
           </a:p>
         </p:txBody>
       </p:sp>
@@ -1234,38 +1240,37 @@
           <a:p>
             <a:pPr lvl="0"/>
             <a:r>
-              <a:rPr lang="en-US" smtClean="0"/>
+              <a:rPr lang="en-US"/>
               <a:t>Click to edit Master text styles</a:t>
             </a:r>
           </a:p>
           <a:p>
             <a:pPr lvl="1"/>
             <a:r>
-              <a:rPr lang="en-US" smtClean="0"/>
+              <a:rPr lang="en-US"/>
               <a:t>Second level</a:t>
             </a:r>
           </a:p>
           <a:p>
             <a:pPr lvl="2"/>
             <a:r>
-              <a:rPr lang="en-US" smtClean="0"/>
+              <a:rPr lang="en-US"/>
               <a:t>Third level</a:t>
             </a:r>
           </a:p>
           <a:p>
             <a:pPr lvl="3"/>
             <a:r>
-              <a:rPr lang="en-US" smtClean="0"/>
+              <a:rPr lang="en-US"/>
               <a:t>Fourth level</a:t>
             </a:r>
           </a:p>
           <a:p>
             <a:pPr lvl="4"/>
             <a:r>
-              <a:rPr lang="en-US" smtClean="0"/>
+              <a:rPr lang="en-US"/>
               <a:t>Fifth level</a:t>
             </a:r>
-            <a:endParaRPr lang="en-US"/>
           </a:p>
         </p:txBody>
       </p:sp>
@@ -1319,38 +1324,37 @@
           <a:p>
             <a:pPr lvl="0"/>
             <a:r>
-              <a:rPr lang="en-US" smtClean="0"/>
+              <a:rPr lang="en-US"/>
               <a:t>Click to edit Master text styles</a:t>
             </a:r>
           </a:p>
           <a:p>
             <a:pPr lvl="1"/>
             <a:r>
-              <a:rPr lang="en-US" smtClean="0"/>
+              <a:rPr lang="en-US"/>
               <a:t>Second level</a:t>
             </a:r>
           </a:p>
           <a:p>
             <a:pPr lvl="2"/>
             <a:r>
-              <a:rPr lang="en-US" smtClean="0"/>
+              <a:rPr lang="en-US"/>
               <a:t>Third level</a:t>
             </a:r>
           </a:p>
           <a:p>
             <a:pPr lvl="3"/>
             <a:r>
-              <a:rPr lang="en-US" smtClean="0"/>
+              <a:rPr lang="en-US"/>
               <a:t>Fourth level</a:t>
             </a:r>
           </a:p>
           <a:p>
             <a:pPr lvl="4"/>
             <a:r>
-              <a:rPr lang="en-US" smtClean="0"/>
+              <a:rPr lang="en-US"/>
               <a:t>Fifth level</a:t>
             </a:r>
-            <a:endParaRPr lang="en-US"/>
           </a:p>
         </p:txBody>
       </p:sp>
@@ -1371,7 +1375,7 @@
           <a:p>
             <a:fld id="{8FC8F648-A4B3-49D5-A9D7-14E10E9A7B41}" type="datetimeFigureOut">
               <a:rPr lang="en-US" smtClean="0"/>
-              <a:t>11/17/2022</a:t>
+              <a:t>2/14/2024</a:t>
             </a:fld>
             <a:endParaRPr lang="en-US"/>
           </a:p>
@@ -1469,10 +1473,9 @@
           </a:lstStyle>
           <a:p>
             <a:r>
-              <a:rPr lang="en-US" smtClean="0"/>
+              <a:rPr lang="en-US"/>
               <a:t>Click to edit Master title style</a:t>
             </a:r>
-            <a:endParaRPr lang="en-US"/>
           </a:p>
         </p:txBody>
       </p:sp>
@@ -1535,7 +1538,7 @@
           <a:p>
             <a:pPr lvl="0"/>
             <a:r>
-              <a:rPr lang="en-US" smtClean="0"/>
+              <a:rPr lang="en-US"/>
               <a:t>Click to edit Master text styles</a:t>
             </a:r>
           </a:p>
@@ -1591,38 +1594,37 @@
           <a:p>
             <a:pPr lvl="0"/>
             <a:r>
-              <a:rPr lang="en-US" smtClean="0"/>
+              <a:rPr lang="en-US"/>
               <a:t>Click to edit Master text styles</a:t>
             </a:r>
           </a:p>
           <a:p>
             <a:pPr lvl="1"/>
             <a:r>
-              <a:rPr lang="en-US" smtClean="0"/>
+              <a:rPr lang="en-US"/>
               <a:t>Second level</a:t>
             </a:r>
           </a:p>
           <a:p>
             <a:pPr lvl="2"/>
             <a:r>
-              <a:rPr lang="en-US" smtClean="0"/>
+              <a:rPr lang="en-US"/>
               <a:t>Third level</a:t>
             </a:r>
           </a:p>
           <a:p>
             <a:pPr lvl="3"/>
             <a:r>
-              <a:rPr lang="en-US" smtClean="0"/>
+              <a:rPr lang="en-US"/>
               <a:t>Fourth level</a:t>
             </a:r>
           </a:p>
           <a:p>
             <a:pPr lvl="4"/>
             <a:r>
-              <a:rPr lang="en-US" smtClean="0"/>
+              <a:rPr lang="en-US"/>
               <a:t>Fifth level</a:t>
             </a:r>
-            <a:endParaRPr lang="en-US"/>
           </a:p>
         </p:txBody>
       </p:sp>
@@ -1685,7 +1687,7 @@
           <a:p>
             <a:pPr lvl="0"/>
             <a:r>
-              <a:rPr lang="en-US" smtClean="0"/>
+              <a:rPr lang="en-US"/>
               <a:t>Click to edit Master text styles</a:t>
             </a:r>
           </a:p>
@@ -1741,38 +1743,37 @@
           <a:p>
             <a:pPr lvl="0"/>
             <a:r>
-              <a:rPr lang="en-US" smtClean="0"/>
+              <a:rPr lang="en-US"/>
               <a:t>Click to edit Master text styles</a:t>
             </a:r>
           </a:p>
           <a:p>
             <a:pPr lvl="1"/>
             <a:r>
-              <a:rPr lang="en-US" smtClean="0"/>
+              <a:rPr lang="en-US"/>
               <a:t>Second level</a:t>
             </a:r>
           </a:p>
           <a:p>
             <a:pPr lvl="2"/>
             <a:r>
-              <a:rPr lang="en-US" smtClean="0"/>
+              <a:rPr lang="en-US"/>
               <a:t>Third level</a:t>
             </a:r>
           </a:p>
           <a:p>
             <a:pPr lvl="3"/>
             <a:r>
-              <a:rPr lang="en-US" smtClean="0"/>
+              <a:rPr lang="en-US"/>
               <a:t>Fourth level</a:t>
             </a:r>
           </a:p>
           <a:p>
             <a:pPr lvl="4"/>
             <a:r>
-              <a:rPr lang="en-US" smtClean="0"/>
+              <a:rPr lang="en-US"/>
               <a:t>Fifth level</a:t>
             </a:r>
-            <a:endParaRPr lang="en-US"/>
           </a:p>
         </p:txBody>
       </p:sp>
@@ -1793,7 +1794,7 @@
           <a:p>
             <a:fld id="{8FC8F648-A4B3-49D5-A9D7-14E10E9A7B41}" type="datetimeFigureOut">
               <a:rPr lang="en-US" smtClean="0"/>
-              <a:t>11/17/2022</a:t>
+              <a:t>2/14/2024</a:t>
             </a:fld>
             <a:endParaRPr lang="en-US"/>
           </a:p>
@@ -1887,10 +1888,9 @@
           <a:lstStyle/>
           <a:p>
             <a:r>
-              <a:rPr lang="en-US" smtClean="0"/>
+              <a:rPr lang="en-US"/>
               <a:t>Click to edit Master title style</a:t>
             </a:r>
-            <a:endParaRPr lang="en-US"/>
           </a:p>
         </p:txBody>
       </p:sp>
@@ -1911,7 +1911,7 @@
           <a:p>
             <a:fld id="{8FC8F648-A4B3-49D5-A9D7-14E10E9A7B41}" type="datetimeFigureOut">
               <a:rPr lang="en-US" smtClean="0"/>
-              <a:t>11/17/2022</a:t>
+              <a:t>2/14/2024</a:t>
             </a:fld>
             <a:endParaRPr lang="en-US"/>
           </a:p>
@@ -2006,7 +2006,7 @@
           <a:p>
             <a:fld id="{8FC8F648-A4B3-49D5-A9D7-14E10E9A7B41}" type="datetimeFigureOut">
               <a:rPr lang="en-US" smtClean="0"/>
-              <a:t>11/17/2022</a:t>
+              <a:t>2/14/2024</a:t>
             </a:fld>
             <a:endParaRPr lang="en-US"/>
           </a:p>
@@ -2109,10 +2109,9 @@
           </a:lstStyle>
           <a:p>
             <a:r>
-              <a:rPr lang="en-US" smtClean="0"/>
+              <a:rPr lang="en-US"/>
               <a:t>Click to edit Master title style</a:t>
             </a:r>
-            <a:endParaRPr lang="en-US"/>
           </a:p>
         </p:txBody>
       </p:sp>
@@ -2166,38 +2165,37 @@
           <a:p>
             <a:pPr lvl="0"/>
             <a:r>
-              <a:rPr lang="en-US" smtClean="0"/>
+              <a:rPr lang="en-US"/>
               <a:t>Click to edit Master text styles</a:t>
             </a:r>
           </a:p>
           <a:p>
             <a:pPr lvl="1"/>
             <a:r>
-              <a:rPr lang="en-US" smtClean="0"/>
+              <a:rPr lang="en-US"/>
               <a:t>Second level</a:t>
             </a:r>
           </a:p>
           <a:p>
             <a:pPr lvl="2"/>
             <a:r>
-              <a:rPr lang="en-US" smtClean="0"/>
+              <a:rPr lang="en-US"/>
               <a:t>Third level</a:t>
             </a:r>
           </a:p>
           <a:p>
             <a:pPr lvl="3"/>
             <a:r>
-              <a:rPr lang="en-US" smtClean="0"/>
+              <a:rPr lang="en-US"/>
               <a:t>Fourth level</a:t>
             </a:r>
           </a:p>
           <a:p>
             <a:pPr lvl="4"/>
             <a:r>
-              <a:rPr lang="en-US" smtClean="0"/>
+              <a:rPr lang="en-US"/>
               <a:t>Fifth level</a:t>
             </a:r>
-            <a:endParaRPr lang="en-US"/>
           </a:p>
         </p:txBody>
       </p:sp>
@@ -2260,7 +2258,7 @@
           <a:p>
             <a:pPr lvl="0"/>
             <a:r>
-              <a:rPr lang="en-US" smtClean="0"/>
+              <a:rPr lang="en-US"/>
               <a:t>Click to edit Master text styles</a:t>
             </a:r>
           </a:p>
@@ -2283,7 +2281,7 @@
           <a:p>
             <a:fld id="{8FC8F648-A4B3-49D5-A9D7-14E10E9A7B41}" type="datetimeFigureOut">
               <a:rPr lang="en-US" smtClean="0"/>
-              <a:t>11/17/2022</a:t>
+              <a:t>2/14/2024</a:t>
             </a:fld>
             <a:endParaRPr lang="en-US"/>
           </a:p>
@@ -2386,10 +2384,9 @@
           </a:lstStyle>
           <a:p>
             <a:r>
-              <a:rPr lang="en-US" smtClean="0"/>
+              <a:rPr lang="en-US"/>
               <a:t>Click to edit Master title style</a:t>
             </a:r>
-            <a:endParaRPr lang="en-US"/>
           </a:p>
         </p:txBody>
       </p:sp>
@@ -2513,7 +2510,7 @@
           <a:p>
             <a:pPr lvl="0"/>
             <a:r>
-              <a:rPr lang="en-US" smtClean="0"/>
+              <a:rPr lang="en-US"/>
               <a:t>Click to edit Master text styles</a:t>
             </a:r>
           </a:p>
@@ -2536,7 +2533,7 @@
           <a:p>
             <a:fld id="{8FC8F648-A4B3-49D5-A9D7-14E10E9A7B41}" type="datetimeFigureOut">
               <a:rPr lang="en-US" smtClean="0"/>
-              <a:t>11/17/2022</a:t>
+              <a:t>2/14/2024</a:t>
             </a:fld>
             <a:endParaRPr lang="en-US"/>
           </a:p>
@@ -2645,10 +2642,9 @@
           <a:lstStyle/>
           <a:p>
             <a:r>
-              <a:rPr lang="en-US" smtClean="0"/>
+              <a:rPr lang="en-US"/>
               <a:t>Click to edit Master title style</a:t>
             </a:r>
-            <a:endParaRPr lang="en-US"/>
           </a:p>
         </p:txBody>
       </p:sp>
@@ -2679,38 +2675,37 @@
           <a:p>
             <a:pPr lvl="0"/>
             <a:r>
-              <a:rPr lang="en-US" smtClean="0"/>
+              <a:rPr lang="en-US"/>
               <a:t>Click to edit Master text styles</a:t>
             </a:r>
           </a:p>
           <a:p>
             <a:pPr lvl="1"/>
             <a:r>
-              <a:rPr lang="en-US" smtClean="0"/>
+              <a:rPr lang="en-US"/>
               <a:t>Second level</a:t>
             </a:r>
           </a:p>
           <a:p>
             <a:pPr lvl="2"/>
             <a:r>
-              <a:rPr lang="en-US" smtClean="0"/>
+              <a:rPr lang="en-US"/>
               <a:t>Third level</a:t>
             </a:r>
           </a:p>
           <a:p>
             <a:pPr lvl="3"/>
             <a:r>
-              <a:rPr lang="en-US" smtClean="0"/>
+              <a:rPr lang="en-US"/>
               <a:t>Fourth level</a:t>
             </a:r>
           </a:p>
           <a:p>
             <a:pPr lvl="4"/>
             <a:r>
-              <a:rPr lang="en-US" smtClean="0"/>
+              <a:rPr lang="en-US"/>
               <a:t>Fifth level</a:t>
             </a:r>
-            <a:endParaRPr lang="en-US"/>
           </a:p>
         </p:txBody>
       </p:sp>
@@ -2749,7 +2744,7 @@
           <a:p>
             <a:fld id="{8FC8F648-A4B3-49D5-A9D7-14E10E9A7B41}" type="datetimeFigureOut">
               <a:rPr lang="en-US" smtClean="0"/>
-              <a:t>11/17/2022</a:t>
+              <a:t>2/14/2024</a:t>
             </a:fld>
             <a:endParaRPr lang="en-US"/>
           </a:p>
@@ -3145,10 +3140,9 @@
           <a:lstStyle/>
           <a:p>
             <a:r>
-              <a:rPr lang="en-US" dirty="0" smtClean="0"/>
+              <a:rPr lang="en-US" dirty="0"/>
               <a:t>Database with Python</a:t>
             </a:r>
-            <a:endParaRPr lang="en-US" dirty="0"/>
           </a:p>
         </p:txBody>
       </p:sp>
@@ -3605,13 +3599,6 @@
   <p:clrMapOvr>
     <a:masterClrMapping/>
   </p:clrMapOvr>
-  <p:timing>
-    <p:tnLst>
-      <p:par>
-        <p:cTn id="1" dur="indefinite" restart="never" nodeType="tmRoot"/>
-      </p:par>
-    </p:tnLst>
-  </p:timing>
 </p:sld>
 </file>
 
@@ -3697,14 +3684,10 @@
             </a:pPr>
             <a:r>
               <a:rPr lang="en-US" sz="1200" dirty="0"/>
-              <a:t>import </a:t>
-            </a:r>
-            <a:r>
-              <a:rPr lang="en-US" sz="1200" dirty="0" smtClean="0"/>
-              <a:t>  </a:t>
-            </a:r>
-            <a:r>
-              <a:rPr lang="en-US" sz="1200" dirty="0" err="1" smtClean="0"/>
+              <a:t>import   </a:t>
+            </a:r>
+            <a:r>
+              <a:rPr lang="en-US" sz="1200" dirty="0" err="1"/>
               <a:t>cx_Oracle</a:t>
             </a:r>
             <a:r>
@@ -3727,15 +3710,7 @@
             </a:pPr>
             <a:r>
               <a:rPr lang="en-US" sz="1200" dirty="0"/>
-              <a:t>  </a:t>
-            </a:r>
-            <a:r>
-              <a:rPr lang="en-US" sz="1200" dirty="0" smtClean="0"/>
-              <a:t># </a:t>
-            </a:r>
-            <a:r>
-              <a:rPr lang="en-US" sz="1200" dirty="0"/>
-              <a:t>Create a table in Oracle database </a:t>
+              <a:t>  # Create a table in Oracle database </a:t>
             </a:r>
           </a:p>
           <a:p>
@@ -3824,15 +3799,7 @@
             </a:pPr>
             <a:r>
               <a:rPr lang="en-US" sz="1200" dirty="0"/>
-              <a:t>  </a:t>
-            </a:r>
-            <a:r>
-              <a:rPr lang="en-US" sz="1200" dirty="0" smtClean="0"/>
-              <a:t># </a:t>
-            </a:r>
-            <a:r>
-              <a:rPr lang="en-US" sz="1200" dirty="0"/>
-              <a:t>Creating a table </a:t>
+              <a:t>  # Creating a table </a:t>
             </a:r>
             <a:r>
               <a:rPr lang="en-US" sz="1200" dirty="0" err="1"/>
@@ -4037,13 +4004,6 @@
   <p:clrMapOvr>
     <a:masterClrMapping/>
   </p:clrMapOvr>
-  <p:timing>
-    <p:tnLst>
-      <p:par>
-        <p:cTn id="1" dur="indefinite" restart="never" nodeType="tmRoot"/>
-      </p:par>
-    </p:tnLst>
-  </p:timing>
 </p:sld>
 </file>
 
@@ -4087,39 +4047,19 @@
           <a:lstStyle/>
           <a:p>
             <a:pPr fontAlgn="base"/>
-            <a:r>
-              <a:rPr lang="en-US" b="1" dirty="0" smtClean="0"/>
-              <a:t/>
-            </a:r>
-            <a:br>
-              <a:rPr lang="en-US" b="1" dirty="0" smtClean="0"/>
-            </a:br>
-            <a:r>
-              <a:rPr lang="en-US" b="1" dirty="0"/>
-              <a:t/>
-            </a:r>
             <a:br>
               <a:rPr lang="en-US" b="1" dirty="0"/>
             </a:br>
-            <a:r>
-              <a:rPr lang="en-US" b="1" dirty="0" smtClean="0"/>
-              <a:t>Inserting </a:t>
-            </a:r>
-            <a:r>
+            <a:br>
               <a:rPr lang="en-US" b="1" dirty="0"/>
-              <a:t>into table:</a:t>
-            </a:r>
-            <a:r>
-              <a:rPr lang="en-US" dirty="0"/>
-              <a:t/>
+            </a:br>
+            <a:r>
+              <a:rPr lang="en-US" b="1" dirty="0"/>
+              <a:t>Inserting into table:</a:t>
             </a:r>
             <a:br>
               <a:rPr lang="en-US" dirty="0"/>
             </a:br>
-            <a:r>
-              <a:rPr lang="en-US" dirty="0"/>
-              <a:t/>
-            </a:r>
             <a:br>
               <a:rPr lang="en-US" dirty="0"/>
             </a:br>
@@ -4179,12 +4119,8 @@
               <a:buNone/>
             </a:pPr>
             <a:r>
-              <a:rPr lang="en-US" sz="1400" dirty="0" smtClean="0"/>
-              <a:t>try</a:t>
-            </a:r>
-            <a:r>
               <a:rPr lang="en-US" sz="1400" dirty="0"/>
-              <a:t>: </a:t>
+              <a:t>try: </a:t>
             </a:r>
           </a:p>
           <a:p>
@@ -4264,15 +4200,7 @@
             </a:r>
             <a:r>
               <a:rPr lang="en-US" sz="1400" b="1" dirty="0"/>
-              <a:t>cursor.execute("insert into student </a:t>
-            </a:r>
-            <a:r>
-              <a:rPr lang="en-US" sz="1400" b="1" dirty="0" smtClean="0"/>
-              <a:t>values(4465, John Paul, 85560</a:t>
-            </a:r>
-            <a:r>
-              <a:rPr lang="en-US" sz="1400" b="1" dirty="0"/>
-              <a:t>") </a:t>
+              <a:t>cursor.execute("insert into student values(4465, John Paul, 85560") </a:t>
             </a:r>
           </a:p>
           <a:p>
@@ -4281,15 +4209,7 @@
             </a:pPr>
             <a:r>
               <a:rPr lang="en-US" sz="1400" dirty="0"/>
-              <a:t>   </a:t>
-            </a:r>
-            <a:r>
-              <a:rPr lang="en-US" sz="1400" dirty="0" smtClean="0"/>
-              <a:t># </a:t>
-            </a:r>
-            <a:r>
-              <a:rPr lang="en-US" sz="1400" dirty="0"/>
-              <a:t>commit that insert the provided data </a:t>
+              <a:t>   # commit that insert the provided data </a:t>
             </a:r>
           </a:p>
           <a:p>
@@ -4468,13 +4388,6 @@
   <p:clrMapOvr>
     <a:masterClrMapping/>
   </p:clrMapOvr>
-  <p:timing>
-    <p:tnLst>
-      <p:par>
-        <p:cTn id="1" dur="indefinite" restart="never" nodeType="tmRoot"/>
-      </p:par>
-    </p:tnLst>
-  </p:timing>
 </p:sld>
 </file>
 
@@ -4511,10 +4424,9 @@
           <a:lstStyle/>
           <a:p>
             <a:r>
-              <a:rPr lang="en-US" dirty="0" smtClean="0"/>
+              <a:rPr lang="en-US" dirty="0"/>
               <a:t>SQLite database </a:t>
             </a:r>
-            <a:endParaRPr lang="en-US" dirty="0"/>
           </a:p>
         </p:txBody>
       </p:sp>
@@ -4534,26 +4446,26 @@
           <a:lstStyle/>
           <a:p>
             <a:r>
-              <a:rPr lang="en-US" sz="2400" dirty="0" smtClean="0"/>
+              <a:rPr lang="en-US" sz="2400" dirty="0"/>
               <a:t>SQLite is a very popular database - it is free and fast and small</a:t>
             </a:r>
           </a:p>
           <a:p>
             <a:r>
-              <a:rPr lang="en-US" sz="2400" dirty="0" smtClean="0"/>
+              <a:rPr lang="en-US" sz="2400" dirty="0"/>
               <a:t>We have a program to manipulate SQLite databases</a:t>
             </a:r>
           </a:p>
           <a:p>
             <a:pPr lvl="1"/>
             <a:r>
-              <a:rPr lang="en-US" sz="2000" dirty="0" smtClean="0"/>
+              <a:rPr lang="en-US" sz="2000" dirty="0"/>
               <a:t>http://sqlitebrowser.sourceforge.net/</a:t>
             </a:r>
           </a:p>
           <a:p>
             <a:r>
-              <a:rPr lang="en-US" sz="2400" dirty="0" smtClean="0"/>
+              <a:rPr lang="en-US" sz="2400" dirty="0"/>
               <a:t>SQLite is embedded in Python and a number of other languages</a:t>
             </a:r>
           </a:p>
@@ -4572,13 +4484,6 @@
   <p:clrMapOvr>
     <a:masterClrMapping/>
   </p:clrMapOvr>
-  <p:timing>
-    <p:tnLst>
-      <p:par>
-        <p:cTn id="1" dur="indefinite" restart="never" nodeType="tmRoot"/>
-      </p:par>
-    </p:tnLst>
-  </p:timing>
 </p:sld>
 </file>
 
@@ -4615,10 +4520,9 @@
           <a:lstStyle/>
           <a:p>
             <a:r>
-              <a:rPr lang="en-US" dirty="0" smtClean="0"/>
+              <a:rPr lang="en-US" dirty="0"/>
               <a:t>SQLite from python</a:t>
             </a:r>
-            <a:endParaRPr lang="en-US" dirty="0"/>
           </a:p>
         </p:txBody>
       </p:sp>
@@ -4645,7 +4549,7 @@
               </a:lnSpc>
             </a:pPr>
             <a:r>
-              <a:rPr lang="en-US" dirty="0" smtClean="0">
+              <a:rPr lang="en-US" dirty="0">
                 <a:latin typeface="Courier New" pitchFamily="49" charset="0"/>
               </a:rPr>
               <a:t>&gt;&gt;&gt; import sqlite3</a:t>
@@ -4658,7 +4562,7 @@
               </a:lnSpc>
             </a:pPr>
             <a:r>
-              <a:rPr lang="en-US" dirty="0" smtClean="0">
+              <a:rPr lang="en-US" dirty="0">
                 <a:latin typeface="Courier New" pitchFamily="49" charset="0"/>
               </a:rPr>
               <a:t>&gt;&gt;&gt; sqlite3.version</a:t>
@@ -4671,7 +4575,7 @@
               </a:lnSpc>
             </a:pPr>
             <a:r>
-              <a:rPr lang="en-US" dirty="0" smtClean="0">
+              <a:rPr lang="en-US" dirty="0">
                 <a:latin typeface="Courier New" pitchFamily="49" charset="0"/>
               </a:rPr>
               <a:t>'2.6.0'</a:t>
@@ -4684,7 +4588,7 @@
               </a:lnSpc>
             </a:pPr>
             <a:r>
-              <a:rPr lang="en-US" dirty="0" smtClean="0">
+              <a:rPr lang="en-US" dirty="0">
                 <a:latin typeface="Courier New" pitchFamily="49" charset="0"/>
               </a:rPr>
               <a:t>&gt;&gt;&gt;</a:t>
@@ -4697,7 +4601,7 @@
               </a:lnSpc>
             </a:pPr>
             <a:r>
-              <a:rPr lang="en-US" dirty="0" smtClean="0">
+              <a:rPr lang="en-US" dirty="0">
                 <a:latin typeface="Courier New" pitchFamily="49" charset="0"/>
               </a:rPr>
               <a:t>$ sqlite3</a:t>
@@ -4711,7 +4615,7 @@
               <a:buNone/>
             </a:pPr>
             <a:r>
-              <a:rPr lang="en-US" dirty="0" smtClean="0">
+              <a:rPr lang="en-US" dirty="0">
                 <a:latin typeface="Courier New" pitchFamily="49" charset="0"/>
               </a:rPr>
               <a:t>SQLite version 3.7.13 2012-06-11 02:05:22</a:t>
@@ -4725,7 +4629,7 @@
               <a:buNone/>
             </a:pPr>
             <a:r>
-              <a:rPr lang="en-US" dirty="0" smtClean="0">
+              <a:rPr lang="en-US" dirty="0">
                 <a:latin typeface="Courier New" pitchFamily="49" charset="0"/>
               </a:rPr>
               <a:t>Enter ".help" for instructions</a:t>
@@ -4739,7 +4643,7 @@
               <a:buNone/>
             </a:pPr>
             <a:r>
-              <a:rPr lang="en-US" dirty="0" smtClean="0">
+              <a:rPr lang="en-US" dirty="0">
                 <a:latin typeface="Courier New" pitchFamily="49" charset="0"/>
               </a:rPr>
               <a:t>Enter SQL statements terminated with a ";"</a:t>
@@ -4753,13 +4657,13 @@
               <a:buNone/>
             </a:pPr>
             <a:r>
-              <a:rPr lang="en-US" dirty="0" err="1" smtClean="0">
+              <a:rPr lang="en-US" dirty="0" err="1">
                 <a:latin typeface="Courier New" pitchFamily="49" charset="0"/>
               </a:rPr>
               <a:t>sqlite</a:t>
             </a:r>
             <a:r>
-              <a:rPr lang="en-US" dirty="0" smtClean="0">
+              <a:rPr lang="en-US" dirty="0">
                 <a:latin typeface="Courier New" pitchFamily="49" charset="0"/>
               </a:rPr>
               <a:t>&gt; .tables</a:t>
@@ -4773,13 +4677,13 @@
               <a:buNone/>
             </a:pPr>
             <a:r>
-              <a:rPr lang="en-US" dirty="0" err="1" smtClean="0">
+              <a:rPr lang="en-US" dirty="0" err="1">
                 <a:latin typeface="Courier New" pitchFamily="49" charset="0"/>
               </a:rPr>
               <a:t>sqlite</a:t>
             </a:r>
             <a:r>
-              <a:rPr lang="en-US" dirty="0" smtClean="0">
+              <a:rPr lang="en-US" dirty="0">
                 <a:latin typeface="Courier New" pitchFamily="49" charset="0"/>
               </a:rPr>
               <a:t>&gt; .exit</a:t>
@@ -4792,30 +4696,30 @@
               </a:lnSpc>
             </a:pPr>
             <a:r>
-              <a:rPr lang="en-US" dirty="0" smtClean="0">
+              <a:rPr lang="en-US" dirty="0">
                 <a:latin typeface="Courier New" pitchFamily="49" charset="0"/>
               </a:rPr>
               <a:t>$ </a:t>
             </a:r>
             <a:r>
-              <a:rPr lang="en-US" dirty="0" err="1" smtClean="0">
+              <a:rPr lang="en-US" dirty="0" err="1">
                 <a:latin typeface="Courier New" pitchFamily="49" charset="0"/>
               </a:rPr>
               <a:t>ls</a:t>
             </a:r>
             <a:r>
-              <a:rPr lang="en-US" dirty="0" smtClean="0">
+              <a:rPr lang="en-US" dirty="0">
                 <a:latin typeface="Courier New" pitchFamily="49" charset="0"/>
               </a:rPr>
               <a:t> </a:t>
             </a:r>
             <a:r>
-              <a:rPr lang="en-US" dirty="0" err="1" smtClean="0">
+              <a:rPr lang="en-US" dirty="0" err="1">
                 <a:latin typeface="Courier New" pitchFamily="49" charset="0"/>
               </a:rPr>
               <a:t>my.db</a:t>
             </a:r>
-            <a:endParaRPr lang="en-US" dirty="0" smtClean="0">
+            <a:endParaRPr lang="en-US" dirty="0">
               <a:latin typeface="Courier New" pitchFamily="49" charset="0"/>
             </a:endParaRPr>
           </a:p>
@@ -4827,12 +4731,12 @@
               <a:buNone/>
             </a:pPr>
             <a:r>
-              <a:rPr lang="en-US" dirty="0" err="1" smtClean="0">
+              <a:rPr lang="en-US" dirty="0" err="1">
                 <a:latin typeface="Courier New" pitchFamily="49" charset="0"/>
               </a:rPr>
               <a:t>my.db</a:t>
             </a:r>
-            <a:endParaRPr lang="en-US" dirty="0" smtClean="0">
+            <a:endParaRPr lang="en-US" dirty="0">
               <a:latin typeface="Courier New" pitchFamily="49" charset="0"/>
             </a:endParaRPr>
           </a:p>
@@ -4851,13 +4755,6 @@
   <p:clrMapOvr>
     <a:masterClrMapping/>
   </p:clrMapOvr>
-  <p:timing>
-    <p:tnLst>
-      <p:par>
-        <p:cTn id="1" dur="indefinite" restart="never" nodeType="tmRoot"/>
-      </p:par>
-    </p:tnLst>
-  </p:timing>
 </p:sld>
 </file>
 
@@ -4894,10 +4791,9 @@
           <a:lstStyle/>
           <a:p>
             <a:r>
-              <a:rPr lang="en-US" dirty="0" smtClean="0"/>
+              <a:rPr lang="en-US" dirty="0"/>
               <a:t>SQLite from python</a:t>
             </a:r>
-            <a:endParaRPr lang="en-US" dirty="0"/>
           </a:p>
         </p:txBody>
       </p:sp>
@@ -4924,7 +4820,7 @@
               </a:lnSpc>
             </a:pPr>
             <a:r>
-              <a:rPr lang="en-US" dirty="0" smtClean="0">
+              <a:rPr lang="en-US" dirty="0">
                 <a:latin typeface="Courier New" pitchFamily="49" charset="0"/>
               </a:rPr>
               <a:t>import sqlite3 as lite</a:t>
@@ -4937,7 +4833,7 @@
               </a:lnSpc>
             </a:pPr>
             <a:r>
-              <a:rPr lang="en-US" dirty="0" smtClean="0">
+              <a:rPr lang="en-US" dirty="0">
                 <a:latin typeface="Courier New" pitchFamily="49" charset="0"/>
               </a:rPr>
               <a:t>import sys</a:t>
@@ -4949,7 +4845,7 @@
                 <a:spcPct val="120000"/>
               </a:lnSpc>
             </a:pPr>
-            <a:endParaRPr lang="en-US" dirty="0" smtClean="0">
+            <a:endParaRPr lang="en-US" dirty="0">
               <a:latin typeface="Courier New" pitchFamily="49" charset="0"/>
             </a:endParaRPr>
           </a:p>
@@ -4960,7 +4856,7 @@
               </a:lnSpc>
             </a:pPr>
             <a:r>
-              <a:rPr lang="en-US" dirty="0" smtClean="0">
+              <a:rPr lang="en-US" dirty="0">
                 <a:latin typeface="Courier New" pitchFamily="49" charset="0"/>
               </a:rPr>
               <a:t>con = None</a:t>
@@ -4972,7 +4868,7 @@
                 <a:spcPct val="120000"/>
               </a:lnSpc>
             </a:pPr>
-            <a:endParaRPr lang="en-US" dirty="0" smtClean="0">
+            <a:endParaRPr lang="en-US" dirty="0">
               <a:latin typeface="Courier New" pitchFamily="49" charset="0"/>
             </a:endParaRPr>
           </a:p>
@@ -4983,7 +4879,7 @@
               </a:lnSpc>
             </a:pPr>
             <a:r>
-              <a:rPr lang="en-US" dirty="0" smtClean="0">
+              <a:rPr lang="en-US" dirty="0">
                 <a:latin typeface="Courier New" pitchFamily="49" charset="0"/>
               </a:rPr>
               <a:t>try:</a:t>
@@ -4996,31 +4892,31 @@
               </a:lnSpc>
             </a:pPr>
             <a:r>
-              <a:rPr lang="en-US" dirty="0" smtClean="0">
+              <a:rPr lang="en-US" dirty="0">
                 <a:latin typeface="Courier New" pitchFamily="49" charset="0"/>
               </a:rPr>
               <a:t>    con = </a:t>
             </a:r>
             <a:r>
-              <a:rPr lang="en-US" dirty="0" err="1" smtClean="0">
+              <a:rPr lang="en-US" dirty="0" err="1">
                 <a:latin typeface="Courier New" pitchFamily="49" charset="0"/>
               </a:rPr>
               <a:t>lite.connect</a:t>
             </a:r>
             <a:r>
-              <a:rPr lang="en-US" dirty="0" smtClean="0">
+              <a:rPr lang="en-US" dirty="0">
                 <a:latin typeface="Courier New" pitchFamily="49" charset="0"/>
               </a:rPr>
               <a:t>(‘</a:t>
             </a:r>
             <a:r>
-              <a:rPr lang="en-US" dirty="0" err="1" smtClean="0">
+              <a:rPr lang="en-US" dirty="0" err="1">
                 <a:latin typeface="Courier New" pitchFamily="49" charset="0"/>
               </a:rPr>
               <a:t>my.db</a:t>
             </a:r>
             <a:r>
-              <a:rPr lang="en-US" dirty="0" smtClean="0">
+              <a:rPr lang="en-US" dirty="0">
                 <a:latin typeface="Courier New" pitchFamily="49" charset="0"/>
               </a:rPr>
               <a:t>')</a:t>
@@ -5033,7 +4929,7 @@
               </a:lnSpc>
             </a:pPr>
             <a:r>
-              <a:rPr lang="en-US" dirty="0" smtClean="0">
+              <a:rPr lang="en-US" dirty="0">
                 <a:latin typeface="Courier New" pitchFamily="49" charset="0"/>
               </a:rPr>
               <a:t>    </a:t>
@@ -5046,19 +4942,19 @@
               </a:lnSpc>
             </a:pPr>
             <a:r>
-              <a:rPr lang="en-US" dirty="0" smtClean="0">
+              <a:rPr lang="en-US" dirty="0">
                 <a:latin typeface="Courier New" pitchFamily="49" charset="0"/>
               </a:rPr>
               <a:t>    cur = </a:t>
             </a:r>
             <a:r>
-              <a:rPr lang="en-US" dirty="0" err="1" smtClean="0">
+              <a:rPr lang="en-US" dirty="0" err="1">
                 <a:latin typeface="Courier New" pitchFamily="49" charset="0"/>
               </a:rPr>
               <a:t>con.cursor</a:t>
             </a:r>
             <a:r>
-              <a:rPr lang="en-US" dirty="0" smtClean="0">
+              <a:rPr lang="en-US" dirty="0">
                 <a:latin typeface="Courier New" pitchFamily="49" charset="0"/>
               </a:rPr>
               <a:t>()    </a:t>
@@ -5071,19 +4967,19 @@
               </a:lnSpc>
             </a:pPr>
             <a:r>
-              <a:rPr lang="en-US" dirty="0" smtClean="0">
+              <a:rPr lang="en-US" dirty="0">
                 <a:latin typeface="Courier New" pitchFamily="49" charset="0"/>
               </a:rPr>
               <a:t>    </a:t>
             </a:r>
             <a:r>
-              <a:rPr lang="en-US" dirty="0" err="1" smtClean="0">
+              <a:rPr lang="en-US" dirty="0" err="1">
                 <a:latin typeface="Courier New" pitchFamily="49" charset="0"/>
               </a:rPr>
               <a:t>cur.execute</a:t>
             </a:r>
             <a:r>
-              <a:rPr lang="en-US" dirty="0" smtClean="0">
+              <a:rPr lang="en-US" dirty="0">
                 <a:latin typeface="Courier New" pitchFamily="49" charset="0"/>
               </a:rPr>
               <a:t>('SELECT SQLITE_VERSION()')</a:t>
@@ -5096,7 +4992,7 @@
               </a:lnSpc>
             </a:pPr>
             <a:r>
-              <a:rPr lang="en-US" dirty="0" smtClean="0">
+              <a:rPr lang="en-US" dirty="0">
                 <a:latin typeface="Courier New" pitchFamily="49" charset="0"/>
               </a:rPr>
               <a:t>    </a:t>
@@ -5109,19 +5005,19 @@
               </a:lnSpc>
             </a:pPr>
             <a:r>
-              <a:rPr lang="en-US" dirty="0" smtClean="0">
+              <a:rPr lang="en-US" dirty="0">
                 <a:latin typeface="Courier New" pitchFamily="49" charset="0"/>
               </a:rPr>
               <a:t>    data = </a:t>
             </a:r>
             <a:r>
-              <a:rPr lang="en-US" dirty="0" err="1" smtClean="0">
+              <a:rPr lang="en-US" dirty="0" err="1">
                 <a:latin typeface="Courier New" pitchFamily="49" charset="0"/>
               </a:rPr>
               <a:t>cur.fetchone</a:t>
             </a:r>
             <a:r>
-              <a:rPr lang="en-US" dirty="0" smtClean="0">
+              <a:rPr lang="en-US" dirty="0">
                 <a:latin typeface="Courier New" pitchFamily="49" charset="0"/>
               </a:rPr>
               <a:t>()</a:t>
@@ -5134,7 +5030,7 @@
               </a:lnSpc>
             </a:pPr>
             <a:r>
-              <a:rPr lang="en-US" dirty="0" smtClean="0">
+              <a:rPr lang="en-US" dirty="0">
                 <a:latin typeface="Courier New" pitchFamily="49" charset="0"/>
               </a:rPr>
               <a:t>    </a:t>
@@ -5147,7 +5043,7 @@
               </a:lnSpc>
             </a:pPr>
             <a:r>
-              <a:rPr lang="en-US" dirty="0" smtClean="0">
+              <a:rPr lang="en-US" dirty="0">
                 <a:latin typeface="Courier New" pitchFamily="49" charset="0"/>
               </a:rPr>
               <a:t>    print "SQLite version: %s" % data                </a:t>
@@ -5160,7 +5056,7 @@
               </a:lnSpc>
             </a:pPr>
             <a:r>
-              <a:rPr lang="en-US" dirty="0" smtClean="0">
+              <a:rPr lang="en-US" dirty="0">
                 <a:latin typeface="Courier New" pitchFamily="49" charset="0"/>
               </a:rPr>
               <a:t>    </a:t>
@@ -5173,19 +5069,19 @@
               </a:lnSpc>
             </a:pPr>
             <a:r>
-              <a:rPr lang="en-US" dirty="0" smtClean="0">
+              <a:rPr lang="en-US" dirty="0">
                 <a:latin typeface="Courier New" pitchFamily="49" charset="0"/>
               </a:rPr>
               <a:t>except </a:t>
             </a:r>
             <a:r>
-              <a:rPr lang="en-US" dirty="0" err="1" smtClean="0">
+              <a:rPr lang="en-US" dirty="0" err="1">
                 <a:latin typeface="Courier New" pitchFamily="49" charset="0"/>
               </a:rPr>
               <a:t>lite.Error</a:t>
             </a:r>
             <a:r>
-              <a:rPr lang="en-US" dirty="0" smtClean="0">
+              <a:rPr lang="en-US" dirty="0">
                 <a:latin typeface="Courier New" pitchFamily="49" charset="0"/>
               </a:rPr>
               <a:t>, e:</a:t>
@@ -5198,19 +5094,19 @@
               </a:lnSpc>
             </a:pPr>
             <a:r>
-              <a:rPr lang="en-US" dirty="0" smtClean="0">
+              <a:rPr lang="en-US" dirty="0">
                 <a:latin typeface="Courier New" pitchFamily="49" charset="0"/>
               </a:rPr>
               <a:t>    print "Error %s:" % </a:t>
             </a:r>
             <a:r>
-              <a:rPr lang="en-US" dirty="0" err="1" smtClean="0">
+              <a:rPr lang="en-US" dirty="0" err="1">
                 <a:latin typeface="Courier New" pitchFamily="49" charset="0"/>
               </a:rPr>
               <a:t>e.args</a:t>
             </a:r>
             <a:r>
-              <a:rPr lang="en-US" dirty="0" smtClean="0">
+              <a:rPr lang="en-US" dirty="0">
                 <a:latin typeface="Courier New" pitchFamily="49" charset="0"/>
               </a:rPr>
               <a:t>[0]</a:t>
@@ -5223,19 +5119,19 @@
               </a:lnSpc>
             </a:pPr>
             <a:r>
-              <a:rPr lang="en-US" dirty="0" smtClean="0">
+              <a:rPr lang="en-US" dirty="0">
                 <a:latin typeface="Courier New" pitchFamily="49" charset="0"/>
               </a:rPr>
               <a:t>    </a:t>
             </a:r>
             <a:r>
-              <a:rPr lang="en-US" dirty="0" err="1" smtClean="0">
+              <a:rPr lang="en-US" dirty="0" err="1">
                 <a:latin typeface="Courier New" pitchFamily="49" charset="0"/>
               </a:rPr>
               <a:t>sys.exit</a:t>
             </a:r>
             <a:r>
-              <a:rPr lang="en-US" dirty="0" smtClean="0">
+              <a:rPr lang="en-US" dirty="0">
                 <a:latin typeface="Courier New" pitchFamily="49" charset="0"/>
               </a:rPr>
               <a:t>(1)</a:t>
@@ -5248,7 +5144,7 @@
               </a:lnSpc>
             </a:pPr>
             <a:r>
-              <a:rPr lang="en-US" dirty="0" smtClean="0">
+              <a:rPr lang="en-US" dirty="0">
                 <a:latin typeface="Courier New" pitchFamily="49" charset="0"/>
               </a:rPr>
               <a:t>    </a:t>
@@ -5261,7 +5157,7 @@
               </a:lnSpc>
             </a:pPr>
             <a:r>
-              <a:rPr lang="en-US" dirty="0" smtClean="0">
+              <a:rPr lang="en-US" dirty="0">
                 <a:latin typeface="Courier New" pitchFamily="49" charset="0"/>
               </a:rPr>
               <a:t>finally:</a:t>
@@ -5274,7 +5170,7 @@
               </a:lnSpc>
             </a:pPr>
             <a:r>
-              <a:rPr lang="en-US" dirty="0" smtClean="0">
+              <a:rPr lang="en-US" dirty="0">
                 <a:latin typeface="Courier New" pitchFamily="49" charset="0"/>
               </a:rPr>
               <a:t>    if con:</a:t>
@@ -5287,19 +5183,19 @@
               </a:lnSpc>
             </a:pPr>
             <a:r>
-              <a:rPr lang="en-US" dirty="0" smtClean="0">
+              <a:rPr lang="en-US" dirty="0">
                 <a:latin typeface="Courier New" pitchFamily="49" charset="0"/>
               </a:rPr>
               <a:t>        </a:t>
             </a:r>
             <a:r>
-              <a:rPr lang="en-US" dirty="0" err="1" smtClean="0">
+              <a:rPr lang="en-US" dirty="0" err="1">
                 <a:latin typeface="Courier New" pitchFamily="49" charset="0"/>
               </a:rPr>
               <a:t>con.close</a:t>
             </a:r>
             <a:r>
-              <a:rPr lang="en-US" dirty="0" smtClean="0">
+              <a:rPr lang="en-US" dirty="0">
                 <a:latin typeface="Courier New" pitchFamily="49" charset="0"/>
               </a:rPr>
               <a:t>()</a:t>
@@ -5320,13 +5216,6 @@
   <p:clrMapOvr>
     <a:masterClrMapping/>
   </p:clrMapOvr>
-  <p:timing>
-    <p:tnLst>
-      <p:par>
-        <p:cTn id="1" dur="indefinite" restart="never" nodeType="tmRoot"/>
-      </p:par>
-    </p:tnLst>
-  </p:timing>
 </p:sld>
 </file>
 
@@ -5363,10 +5252,9 @@
           <a:lstStyle/>
           <a:p>
             <a:r>
-              <a:rPr lang="en-US" dirty="0" smtClean="0"/>
+              <a:rPr lang="en-US" dirty="0"/>
               <a:t>SQL create</a:t>
             </a:r>
-            <a:endParaRPr lang="en-US" dirty="0"/>
           </a:p>
         </p:txBody>
       </p:sp>
@@ -5825,13 +5713,6 @@
   <p:clrMapOvr>
     <a:masterClrMapping/>
   </p:clrMapOvr>
-  <p:timing>
-    <p:tnLst>
-      <p:par>
-        <p:cTn id="1" dur="indefinite" restart="never" nodeType="tmRoot"/>
-      </p:par>
-    </p:tnLst>
-  </p:timing>
 </p:sld>
 </file>
 
@@ -5871,10 +5752,9 @@
               <a:defRPr/>
             </a:pPr>
             <a:r>
-              <a:rPr lang="en-US" dirty="0" smtClean="0"/>
+              <a:rPr lang="en-US" dirty="0"/>
               <a:t>SQL insert</a:t>
             </a:r>
-            <a:endParaRPr lang="en-US" dirty="0"/>
           </a:p>
         </p:txBody>
       </p:sp>
@@ -6219,13 +6099,6 @@
   <p:clrMapOvr>
     <a:masterClrMapping/>
   </p:clrMapOvr>
-  <p:timing>
-    <p:tnLst>
-      <p:par>
-        <p:cTn id="1" dur="indefinite" restart="never" nodeType="tmRoot"/>
-      </p:par>
-    </p:tnLst>
-  </p:timing>
 </p:sld>
 </file>
 
@@ -6265,10 +6138,9 @@
               <a:defRPr/>
             </a:pPr>
             <a:r>
-              <a:rPr lang="en-US" dirty="0" smtClean="0"/>
+              <a:rPr lang="en-US" dirty="0"/>
               <a:t>SQL Insert</a:t>
             </a:r>
-            <a:endParaRPr lang="en-US" dirty="0"/>
           </a:p>
         </p:txBody>
       </p:sp>
@@ -6312,7 +6184,7 @@
           </a:bodyPr>
           <a:lstStyle/>
           <a:p>
-            <a:endParaRPr lang="en-US" smtClean="0"/>
+            <a:endParaRPr lang="en-US"/>
           </a:p>
         </p:txBody>
       </p:sp>
@@ -6612,13 +6484,6 @@
   <p:clrMapOvr>
     <a:masterClrMapping/>
   </p:clrMapOvr>
-  <p:timing>
-    <p:tnLst>
-      <p:par>
-        <p:cTn id="1" dur="indefinite" restart="never" nodeType="tmRoot"/>
-      </p:par>
-    </p:tnLst>
-  </p:timing>
 </p:sld>
 </file>
 
@@ -6658,10 +6523,9 @@
               <a:defRPr/>
             </a:pPr>
             <a:r>
-              <a:rPr lang="en-US" dirty="0" smtClean="0"/>
+              <a:rPr lang="en-US" dirty="0"/>
               <a:t>SQL Select</a:t>
             </a:r>
-            <a:endParaRPr lang="en-US" dirty="0"/>
           </a:p>
         </p:txBody>
       </p:sp>
@@ -6705,7 +6569,7 @@
           </a:bodyPr>
           <a:lstStyle/>
           <a:p>
-            <a:endParaRPr lang="en-US" smtClean="0"/>
+            <a:endParaRPr lang="en-US"/>
           </a:p>
         </p:txBody>
       </p:sp>
@@ -6985,13 +6849,6 @@
   <p:clrMapOvr>
     <a:masterClrMapping/>
   </p:clrMapOvr>
-  <p:timing>
-    <p:tnLst>
-      <p:par>
-        <p:cTn id="1" dur="indefinite" restart="never" nodeType="tmRoot"/>
-      </p:par>
-    </p:tnLst>
-  </p:timing>
 </p:sld>
 </file>
 
@@ -7031,10 +6888,9 @@
               <a:defRPr/>
             </a:pPr>
             <a:r>
-              <a:rPr lang="en-US" dirty="0" smtClean="0"/>
+              <a:rPr lang="en-US" dirty="0"/>
               <a:t>SQL Select</a:t>
             </a:r>
-            <a:endParaRPr lang="en-US" dirty="0"/>
           </a:p>
         </p:txBody>
       </p:sp>
@@ -7078,7 +6934,7 @@
           </a:bodyPr>
           <a:lstStyle/>
           <a:p>
-            <a:endParaRPr lang="en-US" smtClean="0"/>
+            <a:endParaRPr lang="en-US"/>
           </a:p>
         </p:txBody>
       </p:sp>
@@ -7398,13 +7254,6 @@
   <p:clrMapOvr>
     <a:masterClrMapping/>
   </p:clrMapOvr>
-  <p:timing>
-    <p:tnLst>
-      <p:par>
-        <p:cTn id="1" dur="indefinite" restart="never" nodeType="tmRoot"/>
-      </p:par>
-    </p:tnLst>
-  </p:timing>
 </p:sld>
 </file>
 
@@ -7441,10 +7290,9 @@
           <a:lstStyle/>
           <a:p>
             <a:r>
-              <a:rPr lang="en-US" dirty="0" smtClean="0"/>
+              <a:rPr lang="en-US" dirty="0"/>
               <a:t>DB Connectivity</a:t>
             </a:r>
-            <a:endParaRPr lang="en-US" dirty="0"/>
           </a:p>
         </p:txBody>
       </p:sp>
@@ -7485,17 +7333,16 @@
           <a:p>
             <a:pPr algn="ctr"/>
             <a:r>
-              <a:rPr lang="en-US" dirty="0" smtClean="0"/>
+              <a:rPr lang="en-US" dirty="0"/>
               <a:t>PYTHON</a:t>
             </a:r>
           </a:p>
           <a:p>
             <a:pPr algn="ctr"/>
             <a:r>
-              <a:rPr lang="en-US" dirty="0" smtClean="0"/>
+              <a:rPr lang="en-US" dirty="0"/>
               <a:t>APPLICATIONS</a:t>
             </a:r>
-            <a:endParaRPr lang="en-US" dirty="0"/>
           </a:p>
         </p:txBody>
       </p:sp>
@@ -7536,10 +7383,9 @@
           <a:p>
             <a:pPr algn="ctr"/>
             <a:r>
-              <a:rPr lang="en-US" dirty="0" smtClean="0"/>
+              <a:rPr lang="en-US" dirty="0"/>
               <a:t>DB</a:t>
             </a:r>
-            <a:endParaRPr lang="en-US" dirty="0"/>
           </a:p>
         </p:txBody>
       </p:sp>
@@ -7580,17 +7426,16 @@
           <a:p>
             <a:pPr algn="ctr"/>
             <a:r>
-              <a:rPr lang="en-US" dirty="0" smtClean="0"/>
+              <a:rPr lang="en-US" dirty="0"/>
               <a:t>PYTHON DB</a:t>
             </a:r>
           </a:p>
           <a:p>
             <a:pPr algn="ctr"/>
             <a:r>
-              <a:rPr lang="en-US" dirty="0" smtClean="0"/>
+              <a:rPr lang="en-US" dirty="0"/>
               <a:t>API</a:t>
             </a:r>
-            <a:endParaRPr lang="en-US" dirty="0"/>
           </a:p>
         </p:txBody>
       </p:sp>
@@ -7818,10 +7663,9 @@
           <a:lstStyle/>
           <a:p>
             <a:r>
-              <a:rPr lang="en-US" dirty="0" smtClean="0"/>
+              <a:rPr lang="en-US" dirty="0"/>
               <a:t>1</a:t>
             </a:r>
-            <a:endParaRPr lang="en-US" dirty="0"/>
           </a:p>
         </p:txBody>
       </p:sp>
@@ -7848,10 +7692,9 @@
           <a:lstStyle/>
           <a:p>
             <a:r>
-              <a:rPr lang="en-US" dirty="0" smtClean="0"/>
+              <a:rPr lang="en-US" dirty="0"/>
               <a:t>   2</a:t>
             </a:r>
-            <a:endParaRPr lang="en-US" dirty="0"/>
           </a:p>
         </p:txBody>
       </p:sp>
@@ -7878,10 +7721,9 @@
           <a:lstStyle/>
           <a:p>
             <a:r>
-              <a:rPr lang="en-US" dirty="0" smtClean="0"/>
+              <a:rPr lang="en-US" dirty="0"/>
               <a:t>4</a:t>
             </a:r>
-            <a:endParaRPr lang="en-US" dirty="0"/>
           </a:p>
         </p:txBody>
       </p:sp>
@@ -7908,10 +7750,9 @@
           <a:lstStyle/>
           <a:p>
             <a:r>
-              <a:rPr lang="en-US" dirty="0" smtClean="0"/>
+              <a:rPr lang="en-US" dirty="0"/>
               <a:t>3</a:t>
             </a:r>
-            <a:endParaRPr lang="en-US" dirty="0"/>
           </a:p>
         </p:txBody>
       </p:sp>
@@ -7967,10 +7808,9 @@
           <a:lstStyle/>
           <a:p>
             <a:r>
-              <a:rPr lang="en-US" dirty="0" smtClean="0"/>
+              <a:rPr lang="en-US" dirty="0"/>
               <a:t>  6</a:t>
             </a:r>
-            <a:endParaRPr lang="en-US" dirty="0"/>
           </a:p>
         </p:txBody>
       </p:sp>
@@ -7998,13 +7838,8 @@
           <a:p>
             <a:r>
               <a:rPr lang="en-US" sz="1400" dirty="0"/>
-              <a:t>c</a:t>
-            </a:r>
-            <a:r>
-              <a:rPr lang="en-US" sz="1400" dirty="0" smtClean="0"/>
-              <a:t>onnect()</a:t>
-            </a:r>
-            <a:endParaRPr lang="en-US" sz="1400" dirty="0"/>
+              <a:t>connect()</a:t>
+            </a:r>
           </a:p>
         </p:txBody>
       </p:sp>
@@ -8031,10 +7866,9 @@
           <a:lstStyle/>
           <a:p>
             <a:r>
-              <a:rPr lang="en-US" sz="1200" dirty="0" smtClean="0"/>
+              <a:rPr lang="en-US" sz="1200" dirty="0"/>
               <a:t>Connection request</a:t>
             </a:r>
-            <a:endParaRPr lang="en-US" sz="1200" dirty="0"/>
           </a:p>
         </p:txBody>
       </p:sp>
@@ -8061,10 +7895,9 @@
           <a:lstStyle/>
           <a:p>
             <a:r>
-              <a:rPr lang="en-US" sz="1200" dirty="0" smtClean="0"/>
+              <a:rPr lang="en-US" sz="1200" dirty="0"/>
               <a:t>connected</a:t>
             </a:r>
-            <a:endParaRPr lang="en-US" sz="1200" dirty="0"/>
           </a:p>
         </p:txBody>
       </p:sp>
@@ -8091,10 +7924,9 @@
           <a:lstStyle/>
           <a:p>
             <a:r>
-              <a:rPr lang="en-US" sz="1200" dirty="0" smtClean="0"/>
+              <a:rPr lang="en-US" sz="1200" dirty="0"/>
               <a:t>connection.cursor()</a:t>
             </a:r>
-            <a:endParaRPr lang="en-US" sz="1200" dirty="0"/>
           </a:p>
         </p:txBody>
       </p:sp>
@@ -8121,10 +7953,9 @@
           <a:lstStyle/>
           <a:p>
             <a:r>
-              <a:rPr lang="en-US" sz="1200" dirty="0" smtClean="0"/>
+              <a:rPr lang="en-US" sz="1200" dirty="0"/>
               <a:t>cursor.execute()</a:t>
             </a:r>
-            <a:endParaRPr lang="en-US" sz="1200" dirty="0"/>
           </a:p>
         </p:txBody>
       </p:sp>
@@ -8151,10 +7982,9 @@
           <a:lstStyle/>
           <a:p>
             <a:r>
-              <a:rPr lang="en-US" sz="1200" dirty="0" smtClean="0"/>
+              <a:rPr lang="en-US" sz="1200" dirty="0"/>
               <a:t>Result data</a:t>
             </a:r>
-            <a:endParaRPr lang="en-US" sz="1200" dirty="0"/>
           </a:p>
         </p:txBody>
       </p:sp>
@@ -8168,13 +7998,6 @@
   <p:clrMapOvr>
     <a:masterClrMapping/>
   </p:clrMapOvr>
-  <p:timing>
-    <p:tnLst>
-      <p:par>
-        <p:cTn id="1" dur="indefinite" restart="never" nodeType="tmRoot"/>
-      </p:par>
-    </p:tnLst>
-  </p:timing>
 </p:sld>
 </file>
 
@@ -8214,10 +8037,9 @@
               <a:defRPr/>
             </a:pPr>
             <a:r>
-              <a:rPr lang="en-US" dirty="0" smtClean="0"/>
+              <a:rPr lang="en-US" dirty="0"/>
               <a:t>SQL Select</a:t>
             </a:r>
-            <a:endParaRPr lang="en-US" dirty="0"/>
           </a:p>
         </p:txBody>
       </p:sp>
@@ -8261,7 +8083,7 @@
           </a:bodyPr>
           <a:lstStyle/>
           <a:p>
-            <a:endParaRPr lang="en-US" smtClean="0"/>
+            <a:endParaRPr lang="en-US"/>
           </a:p>
         </p:txBody>
       </p:sp>
@@ -8505,13 +8327,6 @@
   <p:clrMapOvr>
     <a:masterClrMapping/>
   </p:clrMapOvr>
-  <p:timing>
-    <p:tnLst>
-      <p:par>
-        <p:cTn id="1" dur="indefinite" restart="never" nodeType="tmRoot"/>
-      </p:par>
-    </p:tnLst>
-  </p:timing>
 </p:sld>
 </file>
 
@@ -8551,10 +8366,9 @@
               <a:defRPr/>
             </a:pPr>
             <a:r>
-              <a:rPr lang="en-US" dirty="0" smtClean="0"/>
+              <a:rPr lang="en-US" dirty="0"/>
               <a:t>SQLITE build relations</a:t>
             </a:r>
-            <a:endParaRPr lang="en-US" dirty="0"/>
           </a:p>
         </p:txBody>
       </p:sp>
@@ -8902,13 +8716,6 @@
   <p:clrMapOvr>
     <a:masterClrMapping/>
   </p:clrMapOvr>
-  <p:timing>
-    <p:tnLst>
-      <p:par>
-        <p:cTn id="1" dur="indefinite" restart="never" nodeType="tmRoot"/>
-      </p:par>
-    </p:tnLst>
-  </p:timing>
 </p:sld>
 </file>
 
@@ -8948,10 +8755,9 @@
               <a:defRPr/>
             </a:pPr>
             <a:r>
-              <a:rPr lang="en-US" dirty="0" smtClean="0"/>
+              <a:rPr lang="en-US" dirty="0"/>
               <a:t>Using relations</a:t>
             </a:r>
-            <a:endParaRPr lang="en-US" dirty="0"/>
           </a:p>
         </p:txBody>
       </p:sp>
@@ -8995,7 +8801,7 @@
           </a:bodyPr>
           <a:lstStyle/>
           <a:p>
-            <a:endParaRPr lang="en-US" smtClean="0"/>
+            <a:endParaRPr lang="en-US"/>
           </a:p>
         </p:txBody>
       </p:sp>
@@ -9239,13 +9045,6 @@
   <p:clrMapOvr>
     <a:masterClrMapping/>
   </p:clrMapOvr>
-  <p:timing>
-    <p:tnLst>
-      <p:par>
-        <p:cTn id="1" dur="indefinite" restart="never" nodeType="tmRoot"/>
-      </p:par>
-    </p:tnLst>
-  </p:timing>
 </p:sld>
 </file>
 
@@ -9285,10 +9084,9 @@
               <a:defRPr/>
             </a:pPr>
             <a:r>
-              <a:rPr lang="en-US" dirty="0" smtClean="0"/>
+              <a:rPr lang="en-US" dirty="0"/>
               <a:t>Dictionary cursor</a:t>
             </a:r>
-            <a:endParaRPr lang="en-US" dirty="0"/>
           </a:p>
         </p:txBody>
       </p:sp>
@@ -9545,13 +9343,6 @@
   <p:clrMapOvr>
     <a:masterClrMapping/>
   </p:clrMapOvr>
-  <p:timing>
-    <p:tnLst>
-      <p:par>
-        <p:cTn id="1" dur="indefinite" restart="never" nodeType="tmRoot"/>
-      </p:par>
-    </p:tnLst>
-  </p:timing>
 </p:sld>
 </file>
 
@@ -9591,10 +9382,9 @@
               <a:defRPr/>
             </a:pPr>
             <a:r>
-              <a:rPr lang="en-US" dirty="0" smtClean="0"/>
+              <a:rPr lang="en-US" dirty="0"/>
               <a:t>JOIN</a:t>
             </a:r>
-            <a:endParaRPr lang="en-US" dirty="0"/>
           </a:p>
         </p:txBody>
       </p:sp>
@@ -9638,7 +9428,7 @@
           </a:bodyPr>
           <a:lstStyle/>
           <a:p>
-            <a:endParaRPr lang="en-US" smtClean="0"/>
+            <a:endParaRPr lang="en-US"/>
           </a:p>
         </p:txBody>
       </p:sp>
@@ -9905,13 +9695,6 @@
   <p:clrMapOvr>
     <a:masterClrMapping/>
   </p:clrMapOvr>
-  <p:timing>
-    <p:tnLst>
-      <p:par>
-        <p:cTn id="1" dur="indefinite" restart="never" nodeType="tmRoot"/>
-      </p:par>
-    </p:tnLst>
-  </p:timing>
 </p:sld>
 </file>
 
@@ -9950,12 +9733,8 @@
           <a:lstStyle/>
           <a:p>
             <a:r>
-              <a:rPr lang="en-US" dirty="0" err="1" smtClean="0"/>
+              <a:rPr lang="en-US" dirty="0" err="1"/>
               <a:t>PostgreSQL</a:t>
-            </a:r>
-            <a:r>
-              <a:rPr lang="en-US" dirty="0"/>
-              <a:t/>
             </a:r>
             <a:br>
               <a:rPr lang="en-US" dirty="0"/>
@@ -9992,15 +9771,11 @@
             </a:r>
             <a:r>
               <a:rPr lang="en-US" dirty="0"/>
-              <a:t> is an open source object-relational database management system</a:t>
-            </a:r>
-            <a:r>
-              <a:rPr lang="en-US" dirty="0" smtClean="0"/>
-              <a:t>.</a:t>
-            </a:r>
-          </a:p>
-          <a:p>
-            <a:endParaRPr lang="en-US" dirty="0" smtClean="0"/>
+              <a:t> is an open source object-relational database management system.</a:t>
+            </a:r>
+          </a:p>
+          <a:p>
+            <a:endParaRPr lang="en-US" dirty="0"/>
           </a:p>
           <a:p>
             <a:r>
@@ -10009,20 +9784,11 @@
             </a:r>
             <a:r>
               <a:rPr lang="en-US" dirty="0"/>
-              <a:t> has a variety of libraries of API that are </a:t>
-            </a:r>
-            <a:r>
-              <a:rPr lang="en-US" dirty="0" smtClean="0"/>
-              <a:t>available in Python</a:t>
-            </a:r>
-            <a:r>
-              <a:rPr lang="en-US" dirty="0"/>
-              <a:t>. </a:t>
-            </a:r>
-            <a:endParaRPr lang="en-US" dirty="0" smtClean="0"/>
-          </a:p>
-          <a:p>
-            <a:endParaRPr lang="en-US" dirty="0" smtClean="0"/>
+              <a:t> has a variety of libraries of API that are available in Python. </a:t>
+            </a:r>
+          </a:p>
+          <a:p>
+            <a:endParaRPr lang="en-US" dirty="0"/>
           </a:p>
           <a:p>
             <a:pPr fontAlgn="base"/>
@@ -10079,7 +9845,7 @@
           </a:p>
           <a:p>
             <a:r>
-              <a:rPr lang="en-US" dirty="0" err="1" smtClean="0">
+              <a:rPr lang="en-US" dirty="0" err="1">
                 <a:solidFill>
                   <a:srgbClr val="FF0000"/>
                 </a:solidFill>
@@ -10087,7 +9853,7 @@
               <a:t>sudo</a:t>
             </a:r>
             <a:r>
-              <a:rPr lang="en-US" dirty="0" smtClean="0">
+              <a:rPr lang="en-US" dirty="0">
                 <a:solidFill>
                   <a:srgbClr val="FF0000"/>
                 </a:solidFill>
@@ -10114,13 +9880,6 @@
   <p:clrMapOvr>
     <a:masterClrMapping/>
   </p:clrMapOvr>
-  <p:timing>
-    <p:tnLst>
-      <p:par>
-        <p:cTn id="1" dur="indefinite" restart="never" nodeType="tmRoot"/>
-      </p:par>
-    </p:tnLst>
-  </p:timing>
 </p:sld>
 </file>
 
@@ -10159,7 +9918,7 @@
           <a:lstStyle/>
           <a:p>
             <a:r>
-              <a:rPr lang="en-US" b="1" dirty="0" smtClean="0"/>
+              <a:rPr lang="en-US" b="1" dirty="0"/>
               <a:t>Connecting to the database</a:t>
             </a:r>
             <a:endParaRPr lang="en-US" dirty="0"/>
@@ -10190,12 +9949,8 @@
           <a:p>
             <a:pPr fontAlgn="base"/>
             <a:r>
-              <a:rPr lang="en-US" sz="2800" dirty="0" smtClean="0"/>
-              <a:t>The</a:t>
-            </a:r>
-            <a:r>
               <a:rPr lang="en-US" sz="2800" dirty="0"/>
-              <a:t> </a:t>
+              <a:t>The </a:t>
             </a:r>
             <a:r>
               <a:rPr lang="en-US" sz="2800" b="1" dirty="0"/>
@@ -10276,7 +10031,7 @@
           </a:p>
           <a:p>
             <a:pPr fontAlgn="base"/>
-            <a:endParaRPr lang="en-US" sz="1300" dirty="0" smtClean="0"/>
+            <a:endParaRPr lang="en-US" sz="1300" dirty="0"/>
           </a:p>
           <a:p>
             <a:pPr fontAlgn="base"/>
@@ -10285,12 +10040,8 @@
           <a:p>
             <a:pPr fontAlgn="base"/>
             <a:r>
-              <a:rPr lang="en-US" sz="2000" dirty="0" smtClean="0"/>
-              <a:t>conn </a:t>
-            </a:r>
-            <a:r>
               <a:rPr lang="en-US" sz="2000" dirty="0"/>
-              <a:t>= psycopg2.connect( database="test", user = "</a:t>
+              <a:t>conn = psycopg2.connect( database="test", user = "</a:t>
             </a:r>
             <a:r>
               <a:rPr lang="en-US" sz="2000" dirty="0" err="1"/>
@@ -10300,7 +10051,6 @@
               <a:rPr lang="en-US" sz="2000" dirty="0"/>
               <a:t>", </a:t>
             </a:r>
-            <a:endParaRPr lang="en-US" sz="2000" dirty="0" smtClean="0"/>
           </a:p>
           <a:p>
             <a:pPr marL="0" indent="0" fontAlgn="base">
@@ -10308,15 +10058,7 @@
             </a:pPr>
             <a:r>
               <a:rPr lang="en-US" sz="2000" dirty="0"/>
-              <a:t> </a:t>
-            </a:r>
-            <a:r>
-              <a:rPr lang="en-US" sz="2000" dirty="0" smtClean="0"/>
-              <a:t>                  password </a:t>
-            </a:r>
-            <a:r>
-              <a:rPr lang="en-US" sz="2000" dirty="0"/>
-              <a:t>= "password", host = "</a:t>
+              <a:t>                   password = "password", host = "</a:t>
             </a:r>
             <a:r>
               <a:rPr lang="en-US" sz="2000" dirty="0" err="1"/>
@@ -10324,11 +10066,7 @@
             </a:r>
             <a:r>
               <a:rPr lang="en-US" sz="2000" dirty="0"/>
-              <a:t>", port = "5432</a:t>
-            </a:r>
-            <a:r>
-              <a:rPr lang="en-US" sz="2000" dirty="0" smtClean="0"/>
-              <a:t>")</a:t>
+              <a:t>", port = "5432")</a:t>
             </a:r>
           </a:p>
           <a:p>
@@ -10352,13 +10090,6 @@
   <p:clrMapOvr>
     <a:masterClrMapping/>
   </p:clrMapOvr>
-  <p:timing>
-    <p:tnLst>
-      <p:par>
-        <p:cTn id="1" dur="indefinite" restart="never" nodeType="tmRoot"/>
-      </p:par>
-    </p:tnLst>
-  </p:timing>
 </p:sld>
 </file>
 
@@ -10431,11 +10162,7 @@
             </a:r>
             <a:r>
               <a:rPr lang="en-US" dirty="0"/>
-              <a:t> </a:t>
-            </a:r>
-            <a:r>
-              <a:rPr lang="en-US" dirty="0" smtClean="0"/>
-              <a:t>queries  </a:t>
+              <a:t> queries  </a:t>
             </a:r>
           </a:p>
           <a:p>
@@ -10444,52 +10171,32 @@
             </a:pPr>
             <a:r>
               <a:rPr lang="en-US" dirty="0"/>
-              <a:t> </a:t>
-            </a:r>
-            <a:r>
-              <a:rPr lang="en-US" dirty="0" smtClean="0"/>
-              <a:t>   </a:t>
-            </a:r>
-            <a:r>
-              <a:rPr lang="en-US" b="1" dirty="0" smtClean="0"/>
+              <a:t>    </a:t>
+            </a:r>
+            <a:r>
+              <a:rPr lang="en-US" b="1" dirty="0"/>
               <a:t> cur = </a:t>
             </a:r>
             <a:r>
-              <a:rPr lang="en-US" b="1" dirty="0" err="1" smtClean="0"/>
+              <a:rPr lang="en-US" b="1" dirty="0" err="1"/>
               <a:t>conn.cursor</a:t>
             </a:r>
             <a:r>
-              <a:rPr lang="en-US" b="1" dirty="0" smtClean="0"/>
+              <a:rPr lang="en-US" b="1" dirty="0"/>
               <a:t>() </a:t>
             </a:r>
           </a:p>
           <a:p>
             <a:r>
-              <a:rPr lang="en-US" dirty="0" smtClean="0"/>
-              <a:t>Using </a:t>
-            </a:r>
-            <a:r>
               <a:rPr lang="en-US" dirty="0"/>
-              <a:t>this object, we can make changes to the </a:t>
-            </a:r>
-            <a:r>
-              <a:rPr lang="en-US" dirty="0" smtClean="0"/>
-              <a:t>  database </a:t>
-            </a:r>
-            <a:r>
-              <a:rPr lang="en-US" dirty="0"/>
-              <a:t>that we are connected to</a:t>
-            </a:r>
-            <a:r>
-              <a:rPr lang="en-US" dirty="0" smtClean="0"/>
-              <a:t>.</a:t>
+              <a:t>Using this object, we can make changes to the   database that we are connected to.</a:t>
             </a:r>
           </a:p>
           <a:p>
             <a:pPr marL="0" indent="0">
               <a:buNone/>
             </a:pPr>
-            <a:endParaRPr lang="en-US" b="1" dirty="0" smtClean="0"/>
+            <a:endParaRPr lang="en-US" b="1" dirty="0"/>
           </a:p>
           <a:p>
             <a:pPr marL="0" indent="0">
@@ -10509,13 +10216,6 @@
   <p:clrMapOvr>
     <a:masterClrMapping/>
   </p:clrMapOvr>
-  <p:timing>
-    <p:tnLst>
-      <p:par>
-        <p:cTn id="1" dur="indefinite" restart="never" nodeType="tmRoot"/>
-      </p:par>
-    </p:tnLst>
-  </p:timing>
 </p:sld>
 </file>
 
@@ -10591,40 +10291,30 @@
               <a:rPr lang="en-US" dirty="0"/>
               <a:t>method takes in one parameter, the SQL query to be executed. </a:t>
             </a:r>
-            <a:endParaRPr lang="en-US" dirty="0" smtClean="0"/>
-          </a:p>
-          <a:p>
-            <a:r>
-              <a:rPr lang="en-US" dirty="0" smtClean="0"/>
-              <a:t>The </a:t>
-            </a:r>
+          </a:p>
+          <a:p>
             <a:r>
               <a:rPr lang="en-US" dirty="0"/>
-              <a:t>SQL query is taken in the form of a string that contains the SQL statement</a:t>
-            </a:r>
-            <a:r>
-              <a:rPr lang="en-US" dirty="0" smtClean="0"/>
-              <a:t>.</a:t>
-            </a:r>
-          </a:p>
-          <a:p>
-            <a:r>
-              <a:rPr lang="en-US" b="1" dirty="0" err="1" smtClean="0"/>
+              <a:t>The SQL query is taken in the form of a string that contains the SQL statement.</a:t>
+            </a:r>
+          </a:p>
+          <a:p>
+            <a:r>
+              <a:rPr lang="en-US" b="1" dirty="0" err="1"/>
               <a:t>cur.execute</a:t>
             </a:r>
             <a:r>
-              <a:rPr lang="en-US" b="1" dirty="0" smtClean="0"/>
+              <a:rPr lang="en-US" b="1" dirty="0"/>
               <a:t>("SELECT * FROM </a:t>
             </a:r>
             <a:r>
-              <a:rPr lang="en-US" b="1" dirty="0" err="1" smtClean="0"/>
+              <a:rPr lang="en-US" b="1" dirty="0" err="1"/>
               <a:t>emp</a:t>
             </a:r>
             <a:r>
-              <a:rPr lang="en-US" b="1" dirty="0" smtClean="0"/>
+              <a:rPr lang="en-US" b="1" dirty="0"/>
               <a:t>") </a:t>
             </a:r>
-            <a:endParaRPr lang="en-US" b="1" dirty="0"/>
           </a:p>
         </p:txBody>
       </p:sp>
@@ -10638,13 +10328,6 @@
   <p:clrMapOvr>
     <a:masterClrMapping/>
   </p:clrMapOvr>
-  <p:timing>
-    <p:tnLst>
-      <p:par>
-        <p:cTn id="1" dur="indefinite" restart="never" nodeType="tmRoot"/>
-      </p:par>
-    </p:tnLst>
-  </p:timing>
 </p:sld>
 </file>
 
@@ -10729,33 +10412,24 @@
               <a:rPr lang="en-US" dirty="0"/>
               <a:t> method. </a:t>
             </a:r>
-            <a:endParaRPr lang="en-US" dirty="0" smtClean="0"/>
-          </a:p>
-          <a:p>
-            <a:r>
-              <a:rPr lang="en-US" dirty="0" smtClean="0"/>
-              <a:t>This </a:t>
-            </a:r>
+          </a:p>
+          <a:p>
             <a:r>
               <a:rPr lang="en-US" dirty="0"/>
-              <a:t>method takes no parameters and returns the result of select queries</a:t>
-            </a:r>
-            <a:r>
-              <a:rPr lang="en-US" dirty="0" smtClean="0"/>
-              <a:t>.</a:t>
-            </a:r>
-          </a:p>
-          <a:p>
-            <a:r>
-              <a:rPr lang="en-US" b="1" dirty="0" smtClean="0"/>
+              <a:t>This method takes no parameters and returns the result of select queries.</a:t>
+            </a:r>
+          </a:p>
+          <a:p>
+            <a:r>
+              <a:rPr lang="en-US" b="1" dirty="0"/>
               <a:t>res = </a:t>
             </a:r>
             <a:r>
-              <a:rPr lang="en-US" b="1" dirty="0" err="1" smtClean="0"/>
+              <a:rPr lang="en-US" b="1" dirty="0" err="1"/>
               <a:t>cur.fetchall</a:t>
             </a:r>
             <a:r>
-              <a:rPr lang="en-US" b="1" dirty="0" smtClean="0"/>
+              <a:rPr lang="en-US" b="1" dirty="0"/>
               <a:t>() </a:t>
             </a:r>
           </a:p>
@@ -10777,13 +10451,6 @@
   <p:clrMapOvr>
     <a:masterClrMapping/>
   </p:clrMapOvr>
-  <p:timing>
-    <p:tnLst>
-      <p:par>
-        <p:cTn id="1" dur="indefinite" restart="never" nodeType="tmRoot"/>
-      </p:par>
-    </p:tnLst>
-  </p:timing>
 </p:sld>
 </file>
 
@@ -10827,29 +10494,8 @@
           <a:p>
             <a:r>
               <a:rPr lang="en-US" dirty="0"/>
-              <a:t>Use the  </a:t>
-            </a:r>
-            <a:r>
-              <a:rPr lang="en-US" dirty="0" smtClean="0"/>
-              <a:t>DB MODULE. connect</a:t>
-            </a:r>
-            <a:r>
-              <a:rPr lang="en-US" dirty="0"/>
-              <a:t>()  method of </a:t>
-            </a:r>
-            <a:r>
-              <a:rPr lang="en-US" dirty="0" smtClean="0"/>
-              <a:t>MODULE </a:t>
-            </a:r>
-            <a:r>
-              <a:rPr lang="en-US" dirty="0"/>
-              <a:t>Connector Python with required parameters to connect </a:t>
-            </a:r>
-            <a:r>
-              <a:rPr lang="en-US" dirty="0" smtClean="0"/>
-              <a:t>DATABASE.</a:t>
-            </a:r>
-            <a:endParaRPr lang="en-US" dirty="0"/>
+              <a:t>Use the  DB MODULE. connect()  method of MODULE Connector Python with required parameters to connect DATABASE.</a:t>
+            </a:r>
           </a:p>
         </p:txBody>
       </p:sp>
@@ -10940,15 +10586,7 @@
             </a:r>
             <a:r>
               <a:rPr lang="en-US" dirty="0"/>
-              <a:t>() and </a:t>
-            </a:r>
-            <a:r>
-              <a:rPr lang="en-US" dirty="0" smtClean="0"/>
-              <a:t>database </a:t>
-            </a:r>
-            <a:r>
-              <a:rPr lang="en-US" dirty="0"/>
-              <a:t>connection using </a:t>
+              <a:t>() and database connection using </a:t>
             </a:r>
             <a:r>
               <a:rPr lang="en-US" dirty="0" err="1"/>
@@ -11026,10 +10664,9 @@
           <a:p>
             <a:pPr algn="ctr"/>
             <a:r>
-              <a:rPr lang="en-US" dirty="0" smtClean="0"/>
+              <a:rPr lang="en-US" dirty="0"/>
               <a:t>1</a:t>
             </a:r>
-            <a:endParaRPr lang="en-US" dirty="0"/>
           </a:p>
         </p:txBody>
       </p:sp>
@@ -11070,10 +10707,9 @@
           <a:p>
             <a:pPr algn="ctr"/>
             <a:r>
-              <a:rPr lang="en-US" dirty="0" smtClean="0"/>
+              <a:rPr lang="en-US" dirty="0"/>
               <a:t>2</a:t>
             </a:r>
-            <a:endParaRPr lang="en-US" dirty="0"/>
           </a:p>
         </p:txBody>
       </p:sp>
@@ -11114,10 +10750,9 @@
           <a:p>
             <a:pPr algn="ctr"/>
             <a:r>
-              <a:rPr lang="en-US" dirty="0" smtClean="0"/>
+              <a:rPr lang="en-US" dirty="0"/>
               <a:t>3</a:t>
             </a:r>
-            <a:endParaRPr lang="en-US" dirty="0"/>
           </a:p>
         </p:txBody>
       </p:sp>
@@ -11158,10 +10793,9 @@
           <a:p>
             <a:pPr algn="ctr"/>
             <a:r>
-              <a:rPr lang="en-US" dirty="0" smtClean="0"/>
+              <a:rPr lang="en-US" dirty="0"/>
               <a:t>4</a:t>
             </a:r>
-            <a:endParaRPr lang="en-US" dirty="0"/>
           </a:p>
         </p:txBody>
       </p:sp>
@@ -11202,10 +10836,9 @@
           <a:p>
             <a:pPr algn="ctr"/>
             <a:r>
-              <a:rPr lang="en-US" dirty="0" smtClean="0"/>
+              <a:rPr lang="en-US" dirty="0"/>
               <a:t>5</a:t>
             </a:r>
-            <a:endParaRPr lang="en-US" dirty="0"/>
           </a:p>
         </p:txBody>
       </p:sp>
@@ -11219,13 +10852,6 @@
   <p:clrMapOvr>
     <a:masterClrMapping/>
   </p:clrMapOvr>
-  <p:timing>
-    <p:tnLst>
-      <p:par>
-        <p:cTn id="1" dur="indefinite" restart="never" nodeType="tmRoot"/>
-      </p:par>
-    </p:tnLst>
-  </p:timing>
 </p:sld>
 </file>
 
@@ -11262,10 +10888,9 @@
           <a:lstStyle/>
           <a:p>
             <a:r>
-              <a:rPr lang="en-US" dirty="0" smtClean="0"/>
+              <a:rPr lang="en-US" dirty="0"/>
               <a:t>Example	</a:t>
             </a:r>
-            <a:endParaRPr lang="en-US" dirty="0"/>
           </a:p>
         </p:txBody>
       </p:sp>
@@ -11284,11 +10909,11 @@
           <a:bodyPr/>
           <a:lstStyle/>
           <a:p>
-            <a:endParaRPr lang="en-US" dirty="0" smtClean="0"/>
-          </a:p>
-          <a:p>
-            <a:r>
-              <a:rPr lang="en-US" dirty="0" smtClean="0"/>
+            <a:endParaRPr lang="en-US" dirty="0"/>
+          </a:p>
+          <a:p>
+            <a:r>
+              <a:rPr lang="en-US" dirty="0"/>
               <a:t>Refer: postgres_python.py</a:t>
             </a:r>
           </a:p>
@@ -11307,13 +10932,6 @@
   <p:clrMapOvr>
     <a:masterClrMapping/>
   </p:clrMapOvr>
-  <p:timing>
-    <p:tnLst>
-      <p:par>
-        <p:cTn id="1" dur="indefinite" restart="never" nodeType="tmRoot"/>
-      </p:par>
-    </p:tnLst>
-  </p:timing>
 </p:sld>
 </file>
 
@@ -11350,10 +10968,9 @@
           <a:lstStyle/>
           <a:p>
             <a:r>
-              <a:rPr lang="en-US" dirty="0" smtClean="0"/>
+              <a:rPr lang="en-US" dirty="0"/>
               <a:t>Python MySQL Database </a:t>
             </a:r>
-            <a:endParaRPr lang="en-US" dirty="0"/>
           </a:p>
         </p:txBody>
       </p:sp>
@@ -11408,13 +11025,6 @@
   <p:clrMapOvr>
     <a:masterClrMapping/>
   </p:clrMapOvr>
-  <p:timing>
-    <p:tnLst>
-      <p:par>
-        <p:cTn id="1" dur="indefinite" restart="never" nodeType="tmRoot"/>
-      </p:par>
-    </p:tnLst>
-  </p:timing>
 </p:sld>
 </file>
 
@@ -11453,11 +11063,11 @@
           <a:lstStyle/>
           <a:p>
             <a:r>
-              <a:rPr lang="en-US" sz="2800" dirty="0" smtClean="0"/>
+              <a:rPr lang="en-US" sz="2800" dirty="0"/>
               <a:t>Steps to connect MySQL database in Python using MySQL Connector Python</a:t>
             </a:r>
             <a:br>
-              <a:rPr lang="en-US" sz="2800" dirty="0" smtClean="0"/>
+              <a:rPr lang="en-US" sz="2800" dirty="0"/>
             </a:br>
             <a:endParaRPr lang="en-US" sz="2800" dirty="0"/>
           </a:p>
@@ -11486,28 +11096,15 @@
           <a:lstStyle/>
           <a:p>
             <a:r>
-              <a:rPr lang="en-US" dirty="0" smtClean="0">
-                <a:hlinkClick r:id="rId2"/>
-              </a:rPr>
-              <a:t>Install </a:t>
-            </a:r>
-            <a:r>
               <a:rPr lang="en-US" dirty="0">
                 <a:hlinkClick r:id="rId2"/>
               </a:rPr>
-              <a:t>MySQL Connector Python using </a:t>
-            </a:r>
-            <a:r>
-              <a:rPr lang="en-US" dirty="0" smtClean="0">
-                <a:hlinkClick r:id="rId2"/>
-              </a:rPr>
-              <a:t>pip</a:t>
+              <a:t>Install MySQL Connector Python using pip</a:t>
             </a:r>
             <a:r>
               <a:rPr lang="en-US" dirty="0"/>
               <a:t> </a:t>
             </a:r>
-            <a:endParaRPr lang="en-US" dirty="0" smtClean="0"/>
           </a:p>
           <a:p>
             <a:pPr marL="0" indent="0">
@@ -11515,15 +11112,7 @@
             </a:pPr>
             <a:r>
               <a:rPr lang="en-US" dirty="0"/>
-              <a:t> </a:t>
-            </a:r>
-            <a:r>
-              <a:rPr lang="en-US" dirty="0" smtClean="0"/>
-              <a:t>     pip </a:t>
-            </a:r>
-            <a:r>
-              <a:rPr lang="en-US" dirty="0"/>
-              <a:t>install </a:t>
+              <a:t>      pip install </a:t>
             </a:r>
             <a:r>
               <a:rPr lang="en-US" dirty="0" err="1"/>
@@ -11538,12 +11127,8 @@
             <a:pPr marL="0" indent="0">
               <a:buNone/>
             </a:pPr>
-            <a:r>
-              <a:rPr lang="en-US" dirty="0" smtClean="0"/>
-              <a:t/>
-            </a:r>
             <a:br>
-              <a:rPr lang="en-US" dirty="0" smtClean="0"/>
+              <a:rPr lang="en-US" dirty="0"/>
             </a:br>
             <a:endParaRPr lang="en-US" dirty="0"/>
           </a:p>
@@ -11563,11 +11148,7 @@
             </a:r>
             <a:r>
               <a:rPr lang="en-US" dirty="0"/>
-              <a:t>  method of MySQL Connector Python with required parameters to connect MySQL</a:t>
-            </a:r>
-            <a:r>
-              <a:rPr lang="en-US" dirty="0" smtClean="0"/>
-              <a:t>.</a:t>
+              <a:t>  method of MySQL Connector Python with required parameters to connect MySQL.</a:t>
             </a:r>
           </a:p>
           <a:p>
@@ -11588,11 +11169,7 @@
             </a:r>
             <a:r>
               <a:rPr lang="en-US" dirty="0"/>
-              <a:t>  method to create a cursor object to perform Database Operations</a:t>
-            </a:r>
-            <a:r>
-              <a:rPr lang="en-US" dirty="0" smtClean="0"/>
-              <a:t>.</a:t>
+              <a:t>  method to create a cursor object to perform Database Operations.</a:t>
             </a:r>
           </a:p>
           <a:p>
@@ -11611,11 +11188,7 @@
             </a:r>
             <a:r>
               <a:rPr lang="en-US" dirty="0"/>
-              <a:t> to execute SQL queries from Python</a:t>
-            </a:r>
-            <a:r>
-              <a:rPr lang="en-US" dirty="0" smtClean="0"/>
-              <a:t>.</a:t>
+              <a:t> to execute SQL queries from Python.</a:t>
             </a:r>
           </a:p>
           <a:p>
@@ -11652,11 +11225,7 @@
             </a:r>
             <a:r>
               <a:rPr lang="en-US" dirty="0"/>
-              <a:t> after your work completes</a:t>
-            </a:r>
-            <a:r>
-              <a:rPr lang="en-US" dirty="0" smtClean="0"/>
-              <a:t>.</a:t>
+              <a:t> after your work completes.</a:t>
             </a:r>
           </a:p>
           <a:p>
@@ -11687,13 +11256,6 @@
   <p:clrMapOvr>
     <a:masterClrMapping/>
   </p:clrMapOvr>
-  <p:timing>
-    <p:tnLst>
-      <p:par>
-        <p:cTn id="1" dur="indefinite" restart="never" nodeType="tmRoot"/>
-      </p:par>
-    </p:tnLst>
-  </p:timing>
 </p:sld>
 </file>
 
@@ -11823,65 +11385,56 @@
               <a:buNone/>
             </a:pPr>
             <a:r>
-              <a:rPr lang="en-US" dirty="0" smtClean="0"/>
+              <a:rPr lang="en-US" dirty="0"/>
               <a:t>             </a:t>
             </a:r>
             <a:r>
-              <a:rPr lang="en-US" sz="2900" dirty="0" smtClean="0"/>
+              <a:rPr lang="en-US" sz="2900" dirty="0"/>
               <a:t>connection=</a:t>
             </a:r>
             <a:r>
-              <a:rPr lang="en-US" sz="2900" dirty="0" err="1" smtClean="0"/>
+              <a:rPr lang="en-US" sz="2900" dirty="0" err="1"/>
               <a:t>mysql.connector.connect</a:t>
             </a:r>
             <a:r>
-              <a:rPr lang="en-US" sz="2900" dirty="0" smtClean="0"/>
-              <a:t>(host</a:t>
-            </a:r>
-            <a:r>
               <a:rPr lang="en-US" sz="2900" dirty="0"/>
-              <a:t>='</a:t>
+              <a:t>(host='</a:t>
             </a:r>
             <a:r>
               <a:rPr lang="en-US" sz="2900" dirty="0" err="1"/>
               <a:t>localhost</a:t>
             </a:r>
             <a:r>
-              <a:rPr lang="en-US" sz="2900" dirty="0" smtClean="0"/>
-              <a:t>',database</a:t>
-            </a:r>
-            <a:r>
               <a:rPr lang="en-US" sz="2900" dirty="0"/>
-              <a:t>='python_</a:t>
+              <a:t>',database='python_</a:t>
             </a:r>
             <a:r>
               <a:rPr lang="en-US" sz="2900" dirty="0" err="1"/>
               <a:t>db</a:t>
             </a:r>
             <a:r>
-              <a:rPr lang="en-US" sz="2900" dirty="0" smtClean="0"/>
+              <a:rPr lang="en-US" sz="2900" dirty="0"/>
               <a:t>',user=‘</a:t>
             </a:r>
             <a:r>
-              <a:rPr lang="en-US" sz="2900" dirty="0" err="1" smtClean="0"/>
+              <a:rPr lang="en-US" sz="2900" dirty="0" err="1"/>
               <a:t>root’,password</a:t>
             </a:r>
             <a:r>
-              <a:rPr lang="en-US" sz="2900" dirty="0" smtClean="0"/>
+              <a:rPr lang="en-US" sz="2900" dirty="0"/>
               <a:t>=‘Welcome')</a:t>
             </a:r>
-            <a:endParaRPr lang="en-US" sz="2900" dirty="0"/>
           </a:p>
           <a:p>
             <a:pPr marL="0" indent="0">
               <a:buNone/>
             </a:pPr>
             <a:r>
-              <a:rPr lang="en-US" b="1" dirty="0" smtClean="0"/>
+              <a:rPr lang="en-US" b="1" dirty="0"/>
               <a:t>        if</a:t>
             </a:r>
             <a:r>
-              <a:rPr lang="en-US" dirty="0" smtClean="0"/>
+              <a:rPr lang="en-US" dirty="0"/>
               <a:t> </a:t>
             </a:r>
             <a:r>
@@ -11898,20 +11451,16 @@
               <a:buNone/>
             </a:pPr>
             <a:r>
-              <a:rPr lang="en-US" dirty="0" smtClean="0"/>
+              <a:rPr lang="en-US" dirty="0"/>
               <a:t>                     </a:t>
             </a:r>
             <a:r>
-              <a:rPr lang="en-US" dirty="0" err="1" smtClean="0"/>
+              <a:rPr lang="en-US" dirty="0" err="1"/>
               <a:t>db_Info</a:t>
             </a:r>
             <a:r>
-              <a:rPr lang="en-US" dirty="0" smtClean="0"/>
-              <a:t> </a:t>
-            </a:r>
-            <a:r>
               <a:rPr lang="en-US" dirty="0"/>
-              <a:t>= </a:t>
+              <a:t> = </a:t>
             </a:r>
             <a:r>
               <a:rPr lang="en-US" dirty="0" err="1"/>
@@ -11927,38 +11476,29 @@
               <a:buNone/>
             </a:pPr>
             <a:r>
-              <a:rPr lang="en-US" b="1" dirty="0" smtClean="0"/>
+              <a:rPr lang="en-US" b="1" dirty="0"/>
               <a:t>                     print</a:t>
             </a:r>
             <a:r>
               <a:rPr lang="en-US" dirty="0"/>
-              <a:t>("Connected to MySQL database... MySQL Server version on </a:t>
-            </a:r>
-            <a:r>
-              <a:rPr lang="en-US" dirty="0" smtClean="0"/>
-              <a:t>{}“.format(</a:t>
-            </a:r>
-            <a:r>
-              <a:rPr lang="en-US" dirty="0" err="1" smtClean="0"/>
+              <a:t>("Connected to MySQL database... MySQL Server version on {}“.format(</a:t>
+            </a:r>
+            <a:r>
+              <a:rPr lang="en-US" dirty="0" err="1"/>
               <a:t>db_Info</a:t>
             </a:r>
             <a:r>
-              <a:rPr lang="en-US" dirty="0" smtClean="0"/>
+              <a:rPr lang="en-US" dirty="0"/>
               <a:t>))</a:t>
             </a:r>
-            <a:endParaRPr lang="en-US" dirty="0"/>
           </a:p>
           <a:p>
             <a:pPr marL="0" indent="0">
               <a:buNone/>
             </a:pPr>
             <a:r>
-              <a:rPr lang="en-US" dirty="0" smtClean="0"/>
-              <a:t>                     cursor </a:t>
-            </a:r>
-            <a:r>
               <a:rPr lang="en-US" dirty="0"/>
-              <a:t>= connection.cursor()</a:t>
+              <a:t>                     cursor = connection.cursor()</a:t>
             </a:r>
           </a:p>
           <a:p>
@@ -11966,12 +11506,8 @@
               <a:buNone/>
             </a:pPr>
             <a:r>
-              <a:rPr lang="en-US" dirty="0" smtClean="0"/>
-              <a:t>                     cursor.execute</a:t>
-            </a:r>
-            <a:r>
               <a:rPr lang="en-US" dirty="0"/>
-              <a:t>("select database();")</a:t>
+              <a:t>                     cursor.execute("select database();")</a:t>
             </a:r>
           </a:p>
           <a:p>
@@ -11979,12 +11515,8 @@
               <a:buNone/>
             </a:pPr>
             <a:r>
-              <a:rPr lang="en-US" dirty="0" smtClean="0"/>
-              <a:t>                     record </a:t>
-            </a:r>
-            <a:r>
               <a:rPr lang="en-US" dirty="0"/>
-              <a:t>= </a:t>
+              <a:t>                     record = </a:t>
             </a:r>
             <a:r>
               <a:rPr lang="en-US" dirty="0" err="1"/>
@@ -12000,22 +11532,13 @@
               <a:buNone/>
             </a:pPr>
             <a:r>
-              <a:rPr lang="en-US" b="1" dirty="0" smtClean="0"/>
+              <a:rPr lang="en-US" b="1" dirty="0"/>
               <a:t>                     print</a:t>
             </a:r>
             <a:r>
-              <a:rPr lang="en-US" dirty="0" smtClean="0"/>
-              <a:t> </a:t>
-            </a:r>
-            <a:r>
               <a:rPr lang="en-US" dirty="0"/>
-              <a:t>("Your connected to </a:t>
-            </a:r>
-            <a:r>
-              <a:rPr lang="en-US" dirty="0" smtClean="0"/>
-              <a:t>– {}“.format(record))</a:t>
-            </a:r>
-            <a:endParaRPr lang="en-US" dirty="0"/>
+              <a:t> ("Your connected to – {}“.format(record))</a:t>
+            </a:r>
           </a:p>
           <a:p>
             <a:pPr marL="0" indent="0">
@@ -12043,22 +11566,13 @@
               <a:buNone/>
             </a:pPr>
             <a:r>
-              <a:rPr lang="en-US" b="1" dirty="0" smtClean="0"/>
+              <a:rPr lang="en-US" b="1" dirty="0"/>
               <a:t>                   print</a:t>
             </a:r>
             <a:r>
-              <a:rPr lang="en-US" dirty="0" smtClean="0"/>
-              <a:t> </a:t>
-            </a:r>
-            <a:r>
               <a:rPr lang="en-US" dirty="0"/>
-              <a:t>("Error while connecting to </a:t>
-            </a:r>
-            <a:r>
-              <a:rPr lang="en-US" dirty="0" smtClean="0"/>
-              <a:t>MySQL {}“.format(e))</a:t>
-            </a:r>
-            <a:endParaRPr lang="en-US" dirty="0"/>
+              <a:t> ("Error while connecting to MySQL {}“.format(e))</a:t>
+            </a:r>
           </a:p>
           <a:p>
             <a:pPr marL="0" indent="0">
@@ -12078,12 +11592,8 @@
               <a:buNone/>
             </a:pPr>
             <a:r>
-              <a:rPr lang="en-US" dirty="0" smtClean="0"/>
-              <a:t>         #</a:t>
-            </a:r>
-            <a:r>
               <a:rPr lang="en-US" dirty="0"/>
-              <a:t>closing database connection.</a:t>
+              <a:t>         #closing database connection.</a:t>
             </a:r>
           </a:p>
           <a:p>
@@ -12091,15 +11601,15 @@
               <a:buNone/>
             </a:pPr>
             <a:r>
-              <a:rPr lang="en-US" b="1" dirty="0" smtClean="0"/>
+              <a:rPr lang="en-US" b="1" dirty="0"/>
               <a:t>         if</a:t>
             </a:r>
             <a:r>
-              <a:rPr lang="en-US" dirty="0" smtClean="0"/>
+              <a:rPr lang="en-US" dirty="0"/>
               <a:t>(</a:t>
             </a:r>
             <a:r>
-              <a:rPr lang="en-US" dirty="0" err="1" smtClean="0"/>
+              <a:rPr lang="en-US" dirty="0" err="1"/>
               <a:t>connection.is_connected</a:t>
             </a:r>
             <a:r>
@@ -12112,11 +11622,11 @@
               <a:buNone/>
             </a:pPr>
             <a:r>
-              <a:rPr lang="en-US" dirty="0" smtClean="0"/>
+              <a:rPr lang="en-US" dirty="0"/>
               <a:t>                    </a:t>
             </a:r>
             <a:r>
-              <a:rPr lang="en-US" dirty="0" err="1" smtClean="0"/>
+              <a:rPr lang="en-US" dirty="0" err="1"/>
               <a:t>cursor.close</a:t>
             </a:r>
             <a:r>
@@ -12129,11 +11639,11 @@
               <a:buNone/>
             </a:pPr>
             <a:r>
-              <a:rPr lang="en-US" dirty="0" smtClean="0"/>
+              <a:rPr lang="en-US" dirty="0"/>
               <a:t>                    </a:t>
             </a:r>
             <a:r>
-              <a:rPr lang="en-US" dirty="0" err="1" smtClean="0"/>
+              <a:rPr lang="en-US" dirty="0" err="1"/>
               <a:t>connection.close</a:t>
             </a:r>
             <a:r>
@@ -12146,7 +11656,7 @@
               <a:buNone/>
             </a:pPr>
             <a:r>
-              <a:rPr lang="en-US" b="1" dirty="0" smtClean="0"/>
+              <a:rPr lang="en-US" b="1" dirty="0"/>
               <a:t>                    print</a:t>
             </a:r>
             <a:r>
@@ -12169,13 +11679,6 @@
   <p:clrMapOvr>
     <a:masterClrMapping/>
   </p:clrMapOvr>
-  <p:timing>
-    <p:tnLst>
-      <p:par>
-        <p:cTn id="1" dur="indefinite" restart="never" nodeType="tmRoot"/>
-      </p:par>
-    </p:tnLst>
-  </p:timing>
 </p:sld>
 </file>
 
@@ -12212,7 +11715,7 @@
           <a:lstStyle/>
           <a:p>
             <a:r>
-              <a:rPr lang="en-US" dirty="0" err="1" smtClean="0"/>
+              <a:rPr lang="en-US" dirty="0" err="1"/>
               <a:t>Mysql_insert_operation</a:t>
             </a:r>
             <a:endParaRPr lang="en-US" dirty="0"/>
@@ -12237,16 +11740,8 @@
           <a:lstStyle/>
           <a:p>
             <a:r>
-              <a:rPr lang="en-US" dirty="0" smtClean="0"/>
-              <a:t>To </a:t>
-            </a:r>
-            <a:r>
               <a:rPr lang="en-US" dirty="0"/>
-              <a:t>insert a single row/record into MySQL </a:t>
-            </a:r>
-            <a:r>
-              <a:rPr lang="en-US" dirty="0" smtClean="0"/>
-              <a:t>table</a:t>
+              <a:t>To insert a single row/record into MySQL table</a:t>
             </a:r>
           </a:p>
           <a:p>
@@ -12332,16 +11827,15 @@
               <a:t>selecting data from MySQL table</a:t>
             </a:r>
             <a:r>
-              <a:rPr lang="en-US" dirty="0" smtClean="0"/>
+              <a:rPr lang="en-US" dirty="0"/>
               <a:t>.</a:t>
             </a:r>
           </a:p>
           <a:p>
             <a:r>
-              <a:rPr lang="en-US" b="1" dirty="0" smtClean="0"/>
+              <a:rPr lang="en-US" b="1" dirty="0"/>
               <a:t>Refer: mysql_insert.py </a:t>
             </a:r>
-            <a:endParaRPr lang="en-US" b="1" dirty="0"/>
           </a:p>
           <a:p>
             <a:endParaRPr lang="en-US" dirty="0"/>
@@ -12361,13 +11855,6 @@
   <p:clrMapOvr>
     <a:masterClrMapping/>
   </p:clrMapOvr>
-  <p:timing>
-    <p:tnLst>
-      <p:par>
-        <p:cTn id="1" dur="indefinite" restart="never" nodeType="tmRoot"/>
-      </p:par>
-    </p:tnLst>
-  </p:timing>
 </p:sld>
 </file>
 
@@ -12435,45 +11922,45 @@
               <a:buNone/>
             </a:pPr>
             <a:r>
-              <a:rPr lang="en-US" sz="2000" dirty="0" smtClean="0"/>
+              <a:rPr lang="en-US" sz="2000" dirty="0"/>
               <a:t>import </a:t>
             </a:r>
             <a:r>
-              <a:rPr lang="en-US" sz="2000" dirty="0" err="1" smtClean="0"/>
+              <a:rPr lang="en-US" sz="2000" dirty="0" err="1"/>
               <a:t>cx_Oracle</a:t>
             </a:r>
-            <a:endParaRPr lang="en-US" sz="2000" dirty="0" smtClean="0"/>
+            <a:endParaRPr lang="en-US" sz="2000" dirty="0"/>
           </a:p>
           <a:p>
             <a:pPr marL="0" indent="0">
               <a:buNone/>
             </a:pPr>
             <a:r>
-              <a:rPr lang="en-US" sz="2000" dirty="0" smtClean="0"/>
+              <a:rPr lang="en-US" sz="2000" dirty="0"/>
               <a:t>con = </a:t>
             </a:r>
             <a:r>
-              <a:rPr lang="en-US" sz="2000" dirty="0" err="1" smtClean="0"/>
+              <a:rPr lang="en-US" sz="2000" dirty="0" err="1"/>
               <a:t>cx_Oracle.connect</a:t>
             </a:r>
             <a:r>
-              <a:rPr lang="en-US" sz="2000" dirty="0" smtClean="0"/>
+              <a:rPr lang="en-US" sz="2000" dirty="0"/>
               <a:t>('</a:t>
             </a:r>
             <a:r>
-              <a:rPr lang="en-US" sz="2000" dirty="0" err="1" smtClean="0"/>
+              <a:rPr lang="en-US" sz="2000" dirty="0" err="1"/>
               <a:t>pythonhol</a:t>
             </a:r>
             <a:r>
-              <a:rPr lang="en-US" sz="2000" dirty="0" smtClean="0"/>
+              <a:rPr lang="en-US" sz="2000" dirty="0"/>
               <a:t>/welcome@127.0.0.1/</a:t>
             </a:r>
             <a:r>
-              <a:rPr lang="en-US" sz="2000" dirty="0" err="1" smtClean="0"/>
+              <a:rPr lang="en-US" sz="2000" dirty="0" err="1"/>
               <a:t>orcl</a:t>
             </a:r>
             <a:r>
-              <a:rPr lang="en-US" sz="2000" dirty="0" smtClean="0"/>
+              <a:rPr lang="en-US" sz="2000" dirty="0"/>
               <a:t>')</a:t>
             </a:r>
           </a:p>
@@ -12482,30 +11969,30 @@
               <a:buNone/>
             </a:pPr>
             <a:r>
-              <a:rPr lang="en-US" sz="2000" dirty="0" smtClean="0"/>
+              <a:rPr lang="en-US" sz="2000" dirty="0"/>
               <a:t>print </a:t>
             </a:r>
             <a:r>
-              <a:rPr lang="en-US" sz="2000" dirty="0" err="1" smtClean="0"/>
+              <a:rPr lang="en-US" sz="2000" dirty="0" err="1"/>
               <a:t>con.version</a:t>
             </a:r>
-            <a:endParaRPr lang="en-US" sz="2000" dirty="0" smtClean="0"/>
+            <a:endParaRPr lang="en-US" sz="2000" dirty="0"/>
           </a:p>
           <a:p>
             <a:pPr marL="0" indent="0">
               <a:buNone/>
             </a:pPr>
             <a:r>
-              <a:rPr lang="en-US" sz="2000" dirty="0" err="1" smtClean="0"/>
+              <a:rPr lang="en-US" sz="2000" dirty="0" err="1"/>
               <a:t>con.close</a:t>
             </a:r>
             <a:r>
-              <a:rPr lang="en-US" sz="2000" dirty="0" smtClean="0"/>
+              <a:rPr lang="en-US" sz="2000" dirty="0"/>
               <a:t>()</a:t>
             </a:r>
           </a:p>
           <a:p>
-            <a:endParaRPr lang="en-US" sz="2000" dirty="0" smtClean="0"/>
+            <a:endParaRPr lang="en-US" sz="2000" dirty="0"/>
           </a:p>
           <a:p>
             <a:r>
@@ -12518,11 +12005,7 @@
             </a:r>
             <a:r>
               <a:rPr lang="en-US" sz="2000" dirty="0"/>
-              <a:t> module is imported to provide the API for accessing the Oracle database</a:t>
-            </a:r>
-            <a:r>
-              <a:rPr lang="en-US" sz="2000" dirty="0" smtClean="0"/>
-              <a:t>.</a:t>
+              <a:t> module is imported to provide the API for accessing the Oracle database.</a:t>
             </a:r>
           </a:p>
           <a:p>
@@ -12530,22 +12013,16 @@
           </a:p>
           <a:p>
             <a:r>
-              <a:rPr lang="en-US" sz="2000" dirty="0" smtClean="0"/>
+              <a:rPr lang="en-US" sz="2000" dirty="0"/>
               <a:t>Refer : </a:t>
             </a:r>
             <a:r>
               <a:rPr lang="en-US" sz="2000" dirty="0">
                 <a:hlinkClick r:id="rId2"/>
               </a:rPr>
-              <a:t>Developing Python Applications for Oracle </a:t>
-            </a:r>
-            <a:r>
-              <a:rPr lang="en-US" sz="2000" dirty="0" smtClean="0">
-                <a:hlinkClick r:id="rId2"/>
-              </a:rPr>
-              <a:t>Database</a:t>
-            </a:r>
-            <a:endParaRPr lang="en-US" sz="2000" dirty="0" smtClean="0"/>
+              <a:t>Developing Python Applications for Oracle Database</a:t>
+            </a:r>
+            <a:endParaRPr lang="en-US" sz="2000" dirty="0"/>
           </a:p>
           <a:p>
             <a:r>
@@ -12568,13 +12045,6 @@
   <p:clrMapOvr>
     <a:masterClrMapping/>
   </p:clrMapOvr>
-  <p:timing>
-    <p:tnLst>
-      <p:par>
-        <p:cTn id="1" dur="indefinite" restart="never" nodeType="tmRoot"/>
-      </p:par>
-    </p:tnLst>
-  </p:timing>
 </p:sld>
 </file>
 
@@ -12618,7 +12088,7 @@
           <a:lstStyle/>
           <a:p>
             <a:r>
-              <a:rPr lang="en-US" b="1" dirty="0" smtClean="0"/>
+              <a:rPr lang="en-US" b="1" dirty="0"/>
               <a:t>Oracle Database</a:t>
             </a:r>
             <a:endParaRPr lang="en-US" dirty="0"/>
@@ -12648,7 +12118,7 @@
           <a:lstStyle/>
           <a:p>
             <a:r>
-              <a:rPr lang="en-US" sz="1800" b="1" dirty="0" smtClean="0">
+              <a:rPr lang="en-US" sz="1800" b="1" dirty="0">
                 <a:solidFill>
                   <a:srgbClr val="FF0000"/>
                 </a:solidFill>
@@ -12656,14 +12126,14 @@
               <a:t>pip install </a:t>
             </a:r>
             <a:r>
-              <a:rPr lang="en-US" sz="1800" b="1" dirty="0" err="1" smtClean="0">
+              <a:rPr lang="en-US" sz="1800" b="1" dirty="0" err="1">
                 <a:solidFill>
                   <a:srgbClr val="FF0000"/>
                 </a:solidFill>
               </a:rPr>
               <a:t>cx_Oracle</a:t>
             </a:r>
-            <a:endParaRPr lang="en-US" sz="1800" b="1" dirty="0" smtClean="0">
+            <a:endParaRPr lang="en-US" sz="1800" b="1" dirty="0">
               <a:solidFill>
                 <a:srgbClr val="FF0000"/>
               </a:solidFill>
@@ -12672,12 +12142,8 @@
           <a:p>
             <a:pPr fontAlgn="base"/>
             <a:r>
-              <a:rPr lang="en-US" sz="1800" b="1" dirty="0" smtClean="0"/>
-              <a:t>How </a:t>
-            </a:r>
-            <a:r>
               <a:rPr lang="en-US" sz="1800" b="1" dirty="0"/>
-              <a:t>to use this module for connection</a:t>
+              <a:t>How to use this module for connection</a:t>
             </a:r>
             <a:endParaRPr lang="en-US" sz="1800" dirty="0"/>
           </a:p>
@@ -12685,39 +12151,27 @@
             <a:pPr fontAlgn="base"/>
             <a:r>
               <a:rPr lang="en-US" sz="1800" dirty="0"/>
-              <a:t>Import database specific </a:t>
-            </a:r>
-            <a:r>
-              <a:rPr lang="en-US" sz="1800" dirty="0" smtClean="0"/>
-              <a:t>module -  </a:t>
+              <a:t>Import database specific module -  </a:t>
             </a:r>
             <a:r>
               <a:rPr lang="en-US" sz="1800" b="1" dirty="0"/>
               <a:t>import </a:t>
             </a:r>
             <a:r>
-              <a:rPr lang="en-US" sz="1800" b="1" dirty="0" err="1" smtClean="0"/>
+              <a:rPr lang="en-US" sz="1800" b="1" dirty="0" err="1"/>
               <a:t>cx_Oracle</a:t>
             </a:r>
-            <a:endParaRPr lang="en-US" sz="1800" b="1" dirty="0" smtClean="0"/>
+            <a:endParaRPr lang="en-US" sz="1800" b="1" dirty="0"/>
           </a:p>
           <a:p>
             <a:pPr fontAlgn="base"/>
             <a:r>
-              <a:rPr lang="en-US" sz="1800" b="1" dirty="0" smtClean="0"/>
-              <a:t>connect</a:t>
-            </a:r>
-            <a:r>
               <a:rPr lang="en-US" sz="1800" b="1" dirty="0"/>
-              <a:t>():</a:t>
+              <a:t>connect():</a:t>
             </a:r>
             <a:r>
               <a:rPr lang="en-US" sz="1800" dirty="0"/>
-              <a:t> Now Establish a connection between Python program and Oracle database by using connect() function</a:t>
-            </a:r>
-            <a:r>
-              <a:rPr lang="en-US" sz="1800" dirty="0" smtClean="0"/>
-              <a:t>.</a:t>
+              <a:t> Now Establish a connection between Python program and Oracle database by using connect() function.</a:t>
             </a:r>
           </a:p>
           <a:p>
@@ -12726,18 +12180,14 @@
             </a:pPr>
             <a:r>
               <a:rPr lang="en-US" sz="1800" dirty="0"/>
-              <a:t> </a:t>
-            </a:r>
-            <a:r>
-              <a:rPr lang="en-US" sz="1800" dirty="0" smtClean="0"/>
-              <a:t>      </a:t>
-            </a:r>
-            <a:r>
-              <a:rPr lang="en-US" sz="1800" b="1" dirty="0" smtClean="0"/>
+              <a:t>       </a:t>
+            </a:r>
+            <a:r>
+              <a:rPr lang="en-US" sz="1800" b="1" dirty="0"/>
               <a:t>con = </a:t>
             </a:r>
             <a:r>
-              <a:rPr lang="en-US" sz="1800" b="1" dirty="0" err="1" smtClean="0"/>
+              <a:rPr lang="en-US" sz="1800" b="1" dirty="0" err="1"/>
               <a:t>cx_Oracle.connect</a:t>
             </a:r>
             <a:r>
@@ -12756,12 +12206,8 @@
           <a:p>
             <a:pPr fontAlgn="base"/>
             <a:r>
-              <a:rPr lang="en-US" sz="1800" b="1" dirty="0" smtClean="0"/>
-              <a:t>cursor</a:t>
-            </a:r>
-            <a:r>
               <a:rPr lang="en-US" sz="1800" b="1" dirty="0"/>
-              <a:t>():</a:t>
+              <a:t>cursor():</a:t>
             </a:r>
             <a:r>
               <a:rPr lang="en-US" sz="1800" dirty="0"/>
@@ -12773,11 +12219,7 @@
             </a:r>
             <a:r>
               <a:rPr lang="en-US" sz="1800" dirty="0"/>
-              <a:t> query and to provide result some special object required is nothing but cursor() </a:t>
-            </a:r>
-            <a:r>
-              <a:rPr lang="en-US" sz="1800" dirty="0" smtClean="0"/>
-              <a:t>object.</a:t>
+              <a:t> query and to provide result some special object required is nothing but cursor() object.</a:t>
             </a:r>
           </a:p>
           <a:p>
@@ -12786,19 +12228,11 @@
             </a:pPr>
             <a:r>
               <a:rPr lang="en-US" sz="1800" dirty="0"/>
-              <a:t> </a:t>
-            </a:r>
-            <a:r>
-              <a:rPr lang="en-US" sz="1800" dirty="0" smtClean="0"/>
-              <a:t>      </a:t>
-            </a:r>
-            <a:r>
-              <a:rPr lang="en-US" sz="1800" b="1" dirty="0" smtClean="0"/>
-              <a:t>cursor </a:t>
+              <a:t>       </a:t>
             </a:r>
             <a:r>
               <a:rPr lang="en-US" sz="1800" b="1" dirty="0"/>
-              <a:t>= </a:t>
+              <a:t>cursor = </a:t>
             </a:r>
             <a:r>
               <a:rPr lang="en-US" sz="1800" b="1" dirty="0" err="1"/>
@@ -12812,16 +12246,8 @@
           <a:p>
             <a:pPr fontAlgn="base"/>
             <a:r>
-              <a:rPr lang="en-US" sz="1800" b="1" dirty="0" smtClean="0"/>
-              <a:t>execute </a:t>
-            </a:r>
-            <a:r>
               <a:rPr lang="en-US" sz="1800" b="1" dirty="0"/>
-              <a:t>method :</a:t>
-            </a:r>
-            <a:r>
-              <a:rPr lang="en-US" sz="1800" dirty="0"/>
-              <a:t/>
+              <a:t>execute method :</a:t>
             </a:r>
             <a:br>
               <a:rPr lang="en-US" sz="1800" dirty="0"/>
@@ -12859,11 +12285,7 @@
             </a:r>
             <a:r>
               <a:rPr lang="en-US" sz="1800" dirty="0"/>
-              <a:t> </a:t>
-            </a:r>
-            <a:r>
-              <a:rPr lang="en-US" sz="1800" dirty="0" smtClean="0"/>
-              <a:t>                     </a:t>
+              <a:t>                      </a:t>
             </a:r>
           </a:p>
           <a:p>
@@ -12872,31 +12294,15 @@
             </a:pPr>
             <a:r>
               <a:rPr lang="en-US" sz="1800" dirty="0"/>
-              <a:t> </a:t>
-            </a:r>
-            <a:r>
-              <a:rPr lang="en-US" sz="1800" dirty="0" smtClean="0"/>
-              <a:t>                                                                   separated </a:t>
-            </a:r>
-            <a:r>
-              <a:rPr lang="en-US" sz="1800" dirty="0"/>
-              <a:t>by </a:t>
-            </a:r>
-            <a:r>
-              <a:rPr lang="en-US" sz="1800" dirty="0" smtClean="0"/>
-              <a:t>“;”</a:t>
-            </a:r>
-            <a:endParaRPr lang="en-US" sz="1800" b="1" dirty="0" smtClean="0"/>
+              <a:t>                                                                    separated by “;”</a:t>
+            </a:r>
+            <a:endParaRPr lang="en-US" sz="1800" b="1" dirty="0"/>
           </a:p>
           <a:p>
             <a:pPr fontAlgn="base"/>
             <a:r>
-              <a:rPr lang="en-US" sz="1800" b="1" dirty="0" smtClean="0"/>
-              <a:t>commit</a:t>
-            </a:r>
-            <a:r>
               <a:rPr lang="en-US" sz="1800" b="1" dirty="0"/>
-              <a:t>():</a:t>
+              <a:t>commit():</a:t>
             </a:r>
             <a:r>
               <a:rPr lang="en-US" sz="1800" dirty="0"/>
@@ -12908,26 +12314,14 @@
             </a:r>
             <a:r>
               <a:rPr lang="en-US" sz="1800" dirty="0"/>
-              <a:t> Language) query in this query you have (update, insert, delete) operation we need to commit() then only the result </a:t>
-            </a:r>
-            <a:r>
-              <a:rPr lang="en-US" sz="1800" dirty="0" smtClean="0"/>
-              <a:t>reflect </a:t>
-            </a:r>
-            <a:r>
-              <a:rPr lang="en-US" sz="1800" dirty="0"/>
-              <a:t>in database.</a:t>
+              <a:t> Language) query in this query you have (update, insert, delete) operation we need to commit() then only the result reflect in database.</a:t>
             </a:r>
           </a:p>
           <a:p>
             <a:pPr fontAlgn="base"/>
             <a:r>
-              <a:rPr lang="en-US" sz="1800" b="1" dirty="0" smtClean="0"/>
-              <a:t>Fetch</a:t>
-            </a:r>
-            <a:r>
               <a:rPr lang="en-US" sz="1800" b="1" dirty="0"/>
-              <a:t>():</a:t>
+              <a:t>Fetch():</a:t>
             </a:r>
             <a:r>
               <a:rPr lang="en-US" sz="1800" dirty="0"/>
@@ -12937,46 +12331,29 @@
           <a:p>
             <a:pPr fontAlgn="base"/>
             <a:r>
-              <a:rPr lang="en-US" sz="1600" b="1" dirty="0" smtClean="0"/>
-              <a:t>close</a:t>
-            </a:r>
-            <a:r>
               <a:rPr lang="en-US" sz="1600" b="1" dirty="0"/>
-              <a:t>():</a:t>
+              <a:t>close():</a:t>
             </a:r>
             <a:r>
               <a:rPr lang="en-US" sz="1600" dirty="0"/>
-              <a:t> After all done </a:t>
-            </a:r>
-            <a:r>
-              <a:rPr lang="en-US" sz="1600" dirty="0" smtClean="0"/>
-              <a:t>mandatory </a:t>
-            </a:r>
-            <a:r>
-              <a:rPr lang="en-US" sz="1600" dirty="0"/>
-              <a:t>to close all </a:t>
-            </a:r>
-            <a:r>
-              <a:rPr lang="en-US" sz="1600" dirty="0" smtClean="0"/>
-              <a:t>operation</a:t>
+              <a:t> After all done mandatory to close all operation</a:t>
             </a:r>
           </a:p>
           <a:p>
             <a:pPr fontAlgn="base"/>
             <a:r>
-              <a:rPr lang="en-US" sz="1600" b="1" dirty="0" err="1" smtClean="0"/>
+              <a:rPr lang="en-US" sz="1600" b="1" dirty="0" err="1"/>
               <a:t>cursor.close</a:t>
             </a:r>
             <a:r>
               <a:rPr lang="en-US" sz="1600" b="1" dirty="0"/>
               <a:t>() </a:t>
             </a:r>
-            <a:endParaRPr lang="en-US" sz="1600" b="1" dirty="0" smtClean="0"/>
           </a:p>
           <a:p>
             <a:pPr fontAlgn="base"/>
             <a:r>
-              <a:rPr lang="en-US" sz="1600" b="1" dirty="0" err="1" smtClean="0"/>
+              <a:rPr lang="en-US" sz="1600" b="1" dirty="0" err="1"/>
               <a:t>con.close</a:t>
             </a:r>
             <a:r>
@@ -12999,13 +12376,6 @@
   <p:clrMapOvr>
     <a:masterClrMapping/>
   </p:clrMapOvr>
-  <p:timing>
-    <p:tnLst>
-      <p:par>
-        <p:cTn id="1" dur="indefinite" restart="never" nodeType="tmRoot"/>
-      </p:par>
-    </p:tnLst>
-  </p:timing>
 </p:sld>
 </file>
 
